--- a/hw02.pptx
+++ b/hw02.pptx
@@ -4,8 +4,18 @@
   <p:sldMasterIdLst>
     <p:sldMasterId id="2147483648" r:id="rId1"/>
   </p:sldMasterIdLst>
+  <p:notesMasterIdLst>
+    <p:notesMasterId r:id="rId10"/>
+  </p:notesMasterIdLst>
   <p:sldIdLst>
     <p:sldId id="256" r:id="rId2"/>
+    <p:sldId id="257" r:id="rId3"/>
+    <p:sldId id="258" r:id="rId4"/>
+    <p:sldId id="259" r:id="rId5"/>
+    <p:sldId id="265" r:id="rId6"/>
+    <p:sldId id="261" r:id="rId7"/>
+    <p:sldId id="266" r:id="rId8"/>
+    <p:sldId id="263" r:id="rId9"/>
   </p:sldIdLst>
   <p:sldSz cx="12192000" cy="6858000"/>
   <p:notesSz cx="6858000" cy="9144000"/>
@@ -107,6 +117,1168 @@
 </p:presentation>
 </file>
 
+<file path=ppt/notesMasters/notesMaster1.xml><?xml version="1.0" encoding="utf-8"?>
+<p:notesMaster xmlns:a="http://schemas.openxmlformats.org/drawingml/2006/main" xmlns:r="http://schemas.openxmlformats.org/officeDocument/2006/relationships" xmlns:p="http://schemas.openxmlformats.org/presentationml/2006/main">
+  <p:cSld>
+    <p:bg>
+      <p:bgRef idx="1001">
+        <a:schemeClr val="bg1"/>
+      </p:bgRef>
+    </p:bg>
+    <p:spTree>
+      <p:nvGrpSpPr>
+        <p:cNvPr id="1" name=""/>
+        <p:cNvGrpSpPr/>
+        <p:nvPr/>
+      </p:nvGrpSpPr>
+      <p:grpSpPr>
+        <a:xfrm>
+          <a:off x="0" y="0"/>
+          <a:ext cx="0" cy="0"/>
+          <a:chOff x="0" y="0"/>
+          <a:chExt cx="0" cy="0"/>
+        </a:xfrm>
+      </p:grpSpPr>
+      <p:sp>
+        <p:nvSpPr>
+          <p:cNvPr id="2" name="頁首版面配置區 1"/>
+          <p:cNvSpPr>
+            <a:spLocks noGrp="1"/>
+          </p:cNvSpPr>
+          <p:nvPr>
+            <p:ph type="hdr" sz="quarter"/>
+          </p:nvPr>
+        </p:nvSpPr>
+        <p:spPr>
+          <a:xfrm>
+            <a:off x="0" y="0"/>
+            <a:ext cx="2971800" cy="458788"/>
+          </a:xfrm>
+          <a:prstGeom prst="rect">
+            <a:avLst/>
+          </a:prstGeom>
+        </p:spPr>
+        <p:txBody>
+          <a:bodyPr vert="horz" lIns="91440" tIns="45720" rIns="91440" bIns="45720" rtlCol="0"/>
+          <a:lstStyle>
+            <a:lvl1pPr algn="l">
+              <a:defRPr sz="1200"/>
+            </a:lvl1pPr>
+          </a:lstStyle>
+          <a:p>
+            <a:endParaRPr lang="zh-TW" altLang="en-US"/>
+          </a:p>
+        </p:txBody>
+      </p:sp>
+      <p:sp>
+        <p:nvSpPr>
+          <p:cNvPr id="3" name="日期版面配置區 2"/>
+          <p:cNvSpPr>
+            <a:spLocks noGrp="1"/>
+          </p:cNvSpPr>
+          <p:nvPr>
+            <p:ph type="dt" idx="1"/>
+          </p:nvPr>
+        </p:nvSpPr>
+        <p:spPr>
+          <a:xfrm>
+            <a:off x="3884613" y="0"/>
+            <a:ext cx="2971800" cy="458788"/>
+          </a:xfrm>
+          <a:prstGeom prst="rect">
+            <a:avLst/>
+          </a:prstGeom>
+        </p:spPr>
+        <p:txBody>
+          <a:bodyPr vert="horz" lIns="91440" tIns="45720" rIns="91440" bIns="45720" rtlCol="0"/>
+          <a:lstStyle>
+            <a:lvl1pPr algn="r">
+              <a:defRPr sz="1200"/>
+            </a:lvl1pPr>
+          </a:lstStyle>
+          <a:p>
+            <a:fld id="{B4FB565A-8FFB-41C1-9C6D-38865D5D821E}" type="datetimeFigureOut">
+              <a:rPr lang="zh-TW" altLang="en-US" smtClean="0"/>
+              <a:t>2024/10/31</a:t>
+            </a:fld>
+            <a:endParaRPr lang="zh-TW" altLang="en-US"/>
+          </a:p>
+        </p:txBody>
+      </p:sp>
+      <p:sp>
+        <p:nvSpPr>
+          <p:cNvPr id="4" name="投影片影像版面配置區 3"/>
+          <p:cNvSpPr>
+            <a:spLocks noGrp="1" noRot="1" noChangeAspect="1"/>
+          </p:cNvSpPr>
+          <p:nvPr>
+            <p:ph type="sldImg" idx="2"/>
+          </p:nvPr>
+        </p:nvSpPr>
+        <p:spPr>
+          <a:xfrm>
+            <a:off x="685800" y="1143000"/>
+            <a:ext cx="5486400" cy="3086100"/>
+          </a:xfrm>
+          <a:prstGeom prst="rect">
+            <a:avLst/>
+          </a:prstGeom>
+          <a:noFill/>
+          <a:ln w="12700">
+            <a:solidFill>
+              <a:prstClr val="black"/>
+            </a:solidFill>
+          </a:ln>
+        </p:spPr>
+        <p:txBody>
+          <a:bodyPr vert="horz" lIns="91440" tIns="45720" rIns="91440" bIns="45720" rtlCol="0" anchor="ctr"/>
+          <a:lstStyle/>
+          <a:p>
+            <a:endParaRPr lang="zh-TW" altLang="en-US"/>
+          </a:p>
+        </p:txBody>
+      </p:sp>
+      <p:sp>
+        <p:nvSpPr>
+          <p:cNvPr id="5" name="備忘稿版面配置區 4"/>
+          <p:cNvSpPr>
+            <a:spLocks noGrp="1"/>
+          </p:cNvSpPr>
+          <p:nvPr>
+            <p:ph type="body" sz="quarter" idx="3"/>
+          </p:nvPr>
+        </p:nvSpPr>
+        <p:spPr>
+          <a:xfrm>
+            <a:off x="685800" y="4400550"/>
+            <a:ext cx="5486400" cy="3600450"/>
+          </a:xfrm>
+          <a:prstGeom prst="rect">
+            <a:avLst/>
+          </a:prstGeom>
+        </p:spPr>
+        <p:txBody>
+          <a:bodyPr vert="horz" lIns="91440" tIns="45720" rIns="91440" bIns="45720" rtlCol="0"/>
+          <a:lstStyle/>
+          <a:p>
+            <a:pPr lvl="0"/>
+            <a:r>
+              <a:rPr lang="zh-TW" altLang="en-US"/>
+              <a:t>按一下以編輯母片文字樣式</a:t>
+            </a:r>
+          </a:p>
+          <a:p>
+            <a:pPr lvl="1"/>
+            <a:r>
+              <a:rPr lang="zh-TW" altLang="en-US"/>
+              <a:t>第二層</a:t>
+            </a:r>
+          </a:p>
+          <a:p>
+            <a:pPr lvl="2"/>
+            <a:r>
+              <a:rPr lang="zh-TW" altLang="en-US"/>
+              <a:t>第三層</a:t>
+            </a:r>
+          </a:p>
+          <a:p>
+            <a:pPr lvl="3"/>
+            <a:r>
+              <a:rPr lang="zh-TW" altLang="en-US"/>
+              <a:t>第四層</a:t>
+            </a:r>
+          </a:p>
+          <a:p>
+            <a:pPr lvl="4"/>
+            <a:r>
+              <a:rPr lang="zh-TW" altLang="en-US"/>
+              <a:t>第五層</a:t>
+            </a:r>
+          </a:p>
+        </p:txBody>
+      </p:sp>
+      <p:sp>
+        <p:nvSpPr>
+          <p:cNvPr id="6" name="頁尾版面配置區 5"/>
+          <p:cNvSpPr>
+            <a:spLocks noGrp="1"/>
+          </p:cNvSpPr>
+          <p:nvPr>
+            <p:ph type="ftr" sz="quarter" idx="4"/>
+          </p:nvPr>
+        </p:nvSpPr>
+        <p:spPr>
+          <a:xfrm>
+            <a:off x="0" y="8685213"/>
+            <a:ext cx="2971800" cy="458787"/>
+          </a:xfrm>
+          <a:prstGeom prst="rect">
+            <a:avLst/>
+          </a:prstGeom>
+        </p:spPr>
+        <p:txBody>
+          <a:bodyPr vert="horz" lIns="91440" tIns="45720" rIns="91440" bIns="45720" rtlCol="0" anchor="b"/>
+          <a:lstStyle>
+            <a:lvl1pPr algn="l">
+              <a:defRPr sz="1200"/>
+            </a:lvl1pPr>
+          </a:lstStyle>
+          <a:p>
+            <a:endParaRPr lang="zh-TW" altLang="en-US"/>
+          </a:p>
+        </p:txBody>
+      </p:sp>
+      <p:sp>
+        <p:nvSpPr>
+          <p:cNvPr id="7" name="投影片編號版面配置區 6"/>
+          <p:cNvSpPr>
+            <a:spLocks noGrp="1"/>
+          </p:cNvSpPr>
+          <p:nvPr>
+            <p:ph type="sldNum" sz="quarter" idx="5"/>
+          </p:nvPr>
+        </p:nvSpPr>
+        <p:spPr>
+          <a:xfrm>
+            <a:off x="3884613" y="8685213"/>
+            <a:ext cx="2971800" cy="458787"/>
+          </a:xfrm>
+          <a:prstGeom prst="rect">
+            <a:avLst/>
+          </a:prstGeom>
+        </p:spPr>
+        <p:txBody>
+          <a:bodyPr vert="horz" lIns="91440" tIns="45720" rIns="91440" bIns="45720" rtlCol="0" anchor="b"/>
+          <a:lstStyle>
+            <a:lvl1pPr algn="r">
+              <a:defRPr sz="1200"/>
+            </a:lvl1pPr>
+          </a:lstStyle>
+          <a:p>
+            <a:fld id="{B9096F87-0D61-4612-913E-73C4208B962B}" type="slidenum">
+              <a:rPr lang="zh-TW" altLang="en-US" smtClean="0"/>
+              <a:t>‹#›</a:t>
+            </a:fld>
+            <a:endParaRPr lang="zh-TW" altLang="en-US"/>
+          </a:p>
+        </p:txBody>
+      </p:sp>
+    </p:spTree>
+    <p:extLst>
+      <p:ext uri="{BB962C8B-B14F-4D97-AF65-F5344CB8AC3E}">
+        <p14:creationId xmlns:p14="http://schemas.microsoft.com/office/powerpoint/2010/main" val="2560218262"/>
+      </p:ext>
+    </p:extLst>
+  </p:cSld>
+  <p:clrMap bg1="lt1" tx1="dk1" bg2="lt2" tx2="dk2" accent1="accent1" accent2="accent2" accent3="accent3" accent4="accent4" accent5="accent5" accent6="accent6" hlink="hlink" folHlink="folHlink"/>
+  <p:notesStyle>
+    <a:lvl1pPr marL="0" algn="l" defTabSz="914400" rtl="0" eaLnBrk="1" latinLnBrk="0" hangingPunct="1">
+      <a:defRPr sz="1200" kern="1200">
+        <a:solidFill>
+          <a:schemeClr val="tx1"/>
+        </a:solidFill>
+        <a:latin typeface="+mn-lt"/>
+        <a:ea typeface="+mn-ea"/>
+        <a:cs typeface="+mn-cs"/>
+      </a:defRPr>
+    </a:lvl1pPr>
+    <a:lvl2pPr marL="457200" algn="l" defTabSz="914400" rtl="0" eaLnBrk="1" latinLnBrk="0" hangingPunct="1">
+      <a:defRPr sz="1200" kern="1200">
+        <a:solidFill>
+          <a:schemeClr val="tx1"/>
+        </a:solidFill>
+        <a:latin typeface="+mn-lt"/>
+        <a:ea typeface="+mn-ea"/>
+        <a:cs typeface="+mn-cs"/>
+      </a:defRPr>
+    </a:lvl2pPr>
+    <a:lvl3pPr marL="914400" algn="l" defTabSz="914400" rtl="0" eaLnBrk="1" latinLnBrk="0" hangingPunct="1">
+      <a:defRPr sz="1200" kern="1200">
+        <a:solidFill>
+          <a:schemeClr val="tx1"/>
+        </a:solidFill>
+        <a:latin typeface="+mn-lt"/>
+        <a:ea typeface="+mn-ea"/>
+        <a:cs typeface="+mn-cs"/>
+      </a:defRPr>
+    </a:lvl3pPr>
+    <a:lvl4pPr marL="1371600" algn="l" defTabSz="914400" rtl="0" eaLnBrk="1" latinLnBrk="0" hangingPunct="1">
+      <a:defRPr sz="1200" kern="1200">
+        <a:solidFill>
+          <a:schemeClr val="tx1"/>
+        </a:solidFill>
+        <a:latin typeface="+mn-lt"/>
+        <a:ea typeface="+mn-ea"/>
+        <a:cs typeface="+mn-cs"/>
+      </a:defRPr>
+    </a:lvl4pPr>
+    <a:lvl5pPr marL="1828800" algn="l" defTabSz="914400" rtl="0" eaLnBrk="1" latinLnBrk="0" hangingPunct="1">
+      <a:defRPr sz="1200" kern="1200">
+        <a:solidFill>
+          <a:schemeClr val="tx1"/>
+        </a:solidFill>
+        <a:latin typeface="+mn-lt"/>
+        <a:ea typeface="+mn-ea"/>
+        <a:cs typeface="+mn-cs"/>
+      </a:defRPr>
+    </a:lvl5pPr>
+    <a:lvl6pPr marL="2286000" algn="l" defTabSz="914400" rtl="0" eaLnBrk="1" latinLnBrk="0" hangingPunct="1">
+      <a:defRPr sz="1200" kern="1200">
+        <a:solidFill>
+          <a:schemeClr val="tx1"/>
+        </a:solidFill>
+        <a:latin typeface="+mn-lt"/>
+        <a:ea typeface="+mn-ea"/>
+        <a:cs typeface="+mn-cs"/>
+      </a:defRPr>
+    </a:lvl6pPr>
+    <a:lvl7pPr marL="2743200" algn="l" defTabSz="914400" rtl="0" eaLnBrk="1" latinLnBrk="0" hangingPunct="1">
+      <a:defRPr sz="1200" kern="1200">
+        <a:solidFill>
+          <a:schemeClr val="tx1"/>
+        </a:solidFill>
+        <a:latin typeface="+mn-lt"/>
+        <a:ea typeface="+mn-ea"/>
+        <a:cs typeface="+mn-cs"/>
+      </a:defRPr>
+    </a:lvl7pPr>
+    <a:lvl8pPr marL="3200400" algn="l" defTabSz="914400" rtl="0" eaLnBrk="1" latinLnBrk="0" hangingPunct="1">
+      <a:defRPr sz="1200" kern="1200">
+        <a:solidFill>
+          <a:schemeClr val="tx1"/>
+        </a:solidFill>
+        <a:latin typeface="+mn-lt"/>
+        <a:ea typeface="+mn-ea"/>
+        <a:cs typeface="+mn-cs"/>
+      </a:defRPr>
+    </a:lvl8pPr>
+    <a:lvl9pPr marL="3657600" algn="l" defTabSz="914400" rtl="0" eaLnBrk="1" latinLnBrk="0" hangingPunct="1">
+      <a:defRPr sz="1200" kern="1200">
+        <a:solidFill>
+          <a:schemeClr val="tx1"/>
+        </a:solidFill>
+        <a:latin typeface="+mn-lt"/>
+        <a:ea typeface="+mn-ea"/>
+        <a:cs typeface="+mn-cs"/>
+      </a:defRPr>
+    </a:lvl9pPr>
+  </p:notesStyle>
+</p:notesMaster>
+</file>
+
+<file path=ppt/notesSlides/notesSlide1.xml><?xml version="1.0" encoding="utf-8"?>
+<p:notes xmlns:a="http://schemas.openxmlformats.org/drawingml/2006/main" xmlns:r="http://schemas.openxmlformats.org/officeDocument/2006/relationships" xmlns:p="http://schemas.openxmlformats.org/presentationml/2006/main">
+  <p:cSld>
+    <p:spTree>
+      <p:nvGrpSpPr>
+        <p:cNvPr id="1" name=""/>
+        <p:cNvGrpSpPr/>
+        <p:nvPr/>
+      </p:nvGrpSpPr>
+      <p:grpSpPr>
+        <a:xfrm>
+          <a:off x="0" y="0"/>
+          <a:ext cx="0" cy="0"/>
+          <a:chOff x="0" y="0"/>
+          <a:chExt cx="0" cy="0"/>
+        </a:xfrm>
+      </p:grpSpPr>
+      <p:sp>
+        <p:nvSpPr>
+          <p:cNvPr id="2" name="投影片影像版面配置區 1"/>
+          <p:cNvSpPr>
+            <a:spLocks noGrp="1" noRot="1" noChangeAspect="1"/>
+          </p:cNvSpPr>
+          <p:nvPr>
+            <p:ph type="sldImg"/>
+          </p:nvPr>
+        </p:nvSpPr>
+        <p:spPr/>
+      </p:sp>
+      <p:sp>
+        <p:nvSpPr>
+          <p:cNvPr id="3" name="備忘稿版面配置區 2"/>
+          <p:cNvSpPr>
+            <a:spLocks noGrp="1"/>
+          </p:cNvSpPr>
+          <p:nvPr>
+            <p:ph type="body" idx="1"/>
+          </p:nvPr>
+        </p:nvSpPr>
+        <p:spPr/>
+        <p:txBody>
+          <a:bodyPr/>
+          <a:lstStyle/>
+          <a:p>
+            <a:r>
+              <a:rPr lang="zh-TW" altLang="en-US" dirty="0"/>
+              <a:t>大家好，接下來我會跟大家說一個有關於我的故事</a:t>
+            </a:r>
+          </a:p>
+        </p:txBody>
+      </p:sp>
+      <p:sp>
+        <p:nvSpPr>
+          <p:cNvPr id="4" name="投影片編號版面配置區 3"/>
+          <p:cNvSpPr>
+            <a:spLocks noGrp="1"/>
+          </p:cNvSpPr>
+          <p:nvPr>
+            <p:ph type="sldNum" sz="quarter" idx="5"/>
+          </p:nvPr>
+        </p:nvSpPr>
+        <p:spPr/>
+        <p:txBody>
+          <a:bodyPr/>
+          <a:lstStyle/>
+          <a:p>
+            <a:fld id="{B9096F87-0D61-4612-913E-73C4208B962B}" type="slidenum">
+              <a:rPr lang="zh-TW" altLang="en-US" smtClean="0"/>
+              <a:t>1</a:t>
+            </a:fld>
+            <a:endParaRPr lang="zh-TW" altLang="en-US"/>
+          </a:p>
+        </p:txBody>
+      </p:sp>
+    </p:spTree>
+    <p:extLst>
+      <p:ext uri="{BB962C8B-B14F-4D97-AF65-F5344CB8AC3E}">
+        <p14:creationId xmlns:p14="http://schemas.microsoft.com/office/powerpoint/2010/main" val="1960107046"/>
+      </p:ext>
+    </p:extLst>
+  </p:cSld>
+  <p:clrMapOvr>
+    <a:masterClrMapping/>
+  </p:clrMapOvr>
+</p:notes>
+</file>
+
+<file path=ppt/notesSlides/notesSlide2.xml><?xml version="1.0" encoding="utf-8"?>
+<p:notes xmlns:a="http://schemas.openxmlformats.org/drawingml/2006/main" xmlns:r="http://schemas.openxmlformats.org/officeDocument/2006/relationships" xmlns:p="http://schemas.openxmlformats.org/presentationml/2006/main">
+  <p:cSld>
+    <p:spTree>
+      <p:nvGrpSpPr>
+        <p:cNvPr id="1" name=""/>
+        <p:cNvGrpSpPr/>
+        <p:nvPr/>
+      </p:nvGrpSpPr>
+      <p:grpSpPr>
+        <a:xfrm>
+          <a:off x="0" y="0"/>
+          <a:ext cx="0" cy="0"/>
+          <a:chOff x="0" y="0"/>
+          <a:chExt cx="0" cy="0"/>
+        </a:xfrm>
+      </p:grpSpPr>
+      <p:sp>
+        <p:nvSpPr>
+          <p:cNvPr id="2" name="投影片影像版面配置區 1"/>
+          <p:cNvSpPr>
+            <a:spLocks noGrp="1" noRot="1" noChangeAspect="1"/>
+          </p:cNvSpPr>
+          <p:nvPr>
+            <p:ph type="sldImg"/>
+          </p:nvPr>
+        </p:nvSpPr>
+        <p:spPr/>
+      </p:sp>
+      <p:sp>
+        <p:nvSpPr>
+          <p:cNvPr id="3" name="備忘稿版面配置區 2"/>
+          <p:cNvSpPr>
+            <a:spLocks noGrp="1"/>
+          </p:cNvSpPr>
+          <p:nvPr>
+            <p:ph type="body" idx="1"/>
+          </p:nvPr>
+        </p:nvSpPr>
+        <p:spPr/>
+        <p:txBody>
+          <a:bodyPr/>
+          <a:lstStyle/>
+          <a:p>
+            <a:r>
+              <a:rPr lang="zh-TW" altLang="en-US" dirty="0"/>
+              <a:t>主角小拍，他是個銀髮羊毛捲髮型，黃色瞳孔身穿著一件白色金邊外套，內搭一件黑色高領長袖，他決定帶著他的吉他搭火車環島，稍微遠離一下學生及職業生涯，幫我根據這個段落生成可以代表內容的圖片</a:t>
+            </a:r>
+            <a:r>
+              <a:rPr lang="en-US" altLang="zh-TW" dirty="0"/>
+              <a:t>(</a:t>
+            </a:r>
+            <a:r>
+              <a:rPr lang="zh-TW" altLang="en-US" dirty="0"/>
+              <a:t>日本動漫風格</a:t>
+            </a:r>
+            <a:r>
+              <a:rPr lang="en-US" altLang="zh-TW" dirty="0"/>
+              <a:t>)</a:t>
+            </a:r>
+            <a:r>
+              <a:rPr lang="zh-TW" altLang="en-US" dirty="0"/>
+              <a:t>，讓我可以看圖說故事的方式演出這個故事</a:t>
+            </a:r>
+            <a:endParaRPr lang="en-US" altLang="zh-TW" dirty="0"/>
+          </a:p>
+          <a:p>
+            <a:endParaRPr lang="zh-TW" altLang="en-US" dirty="0"/>
+          </a:p>
+        </p:txBody>
+      </p:sp>
+      <p:sp>
+        <p:nvSpPr>
+          <p:cNvPr id="4" name="投影片編號版面配置區 3"/>
+          <p:cNvSpPr>
+            <a:spLocks noGrp="1"/>
+          </p:cNvSpPr>
+          <p:nvPr>
+            <p:ph type="sldNum" sz="quarter" idx="5"/>
+          </p:nvPr>
+        </p:nvSpPr>
+        <p:spPr/>
+        <p:txBody>
+          <a:bodyPr/>
+          <a:lstStyle/>
+          <a:p>
+            <a:fld id="{B9096F87-0D61-4612-913E-73C4208B962B}" type="slidenum">
+              <a:rPr lang="zh-TW" altLang="en-US" smtClean="0"/>
+              <a:t>2</a:t>
+            </a:fld>
+            <a:endParaRPr lang="zh-TW" altLang="en-US"/>
+          </a:p>
+        </p:txBody>
+      </p:sp>
+    </p:spTree>
+    <p:extLst>
+      <p:ext uri="{BB962C8B-B14F-4D97-AF65-F5344CB8AC3E}">
+        <p14:creationId xmlns:p14="http://schemas.microsoft.com/office/powerpoint/2010/main" val="2265588755"/>
+      </p:ext>
+    </p:extLst>
+  </p:cSld>
+  <p:clrMapOvr>
+    <a:masterClrMapping/>
+  </p:clrMapOvr>
+</p:notes>
+</file>
+
+<file path=ppt/notesSlides/notesSlide3.xml><?xml version="1.0" encoding="utf-8"?>
+<p:notes xmlns:a="http://schemas.openxmlformats.org/drawingml/2006/main" xmlns:r="http://schemas.openxmlformats.org/officeDocument/2006/relationships" xmlns:p="http://schemas.openxmlformats.org/presentationml/2006/main">
+  <p:cSld>
+    <p:spTree>
+      <p:nvGrpSpPr>
+        <p:cNvPr id="1" name=""/>
+        <p:cNvGrpSpPr/>
+        <p:nvPr/>
+      </p:nvGrpSpPr>
+      <p:grpSpPr>
+        <a:xfrm>
+          <a:off x="0" y="0"/>
+          <a:ext cx="0" cy="0"/>
+          <a:chOff x="0" y="0"/>
+          <a:chExt cx="0" cy="0"/>
+        </a:xfrm>
+      </p:grpSpPr>
+      <p:sp>
+        <p:nvSpPr>
+          <p:cNvPr id="2" name="投影片影像版面配置區 1"/>
+          <p:cNvSpPr>
+            <a:spLocks noGrp="1" noRot="1" noChangeAspect="1"/>
+          </p:cNvSpPr>
+          <p:nvPr>
+            <p:ph type="sldImg"/>
+          </p:nvPr>
+        </p:nvSpPr>
+        <p:spPr/>
+      </p:sp>
+      <p:sp>
+        <p:nvSpPr>
+          <p:cNvPr id="3" name="備忘稿版面配置區 2"/>
+          <p:cNvSpPr>
+            <a:spLocks noGrp="1"/>
+          </p:cNvSpPr>
+          <p:nvPr>
+            <p:ph type="body" idx="1"/>
+          </p:nvPr>
+        </p:nvSpPr>
+        <p:spPr/>
+        <p:txBody>
+          <a:bodyPr/>
+          <a:lstStyle/>
+          <a:p>
+            <a:r>
+              <a:rPr lang="zh-TW" altLang="en-US" dirty="0"/>
+              <a:t>主角小拍，他是個銀髮羊毛捲髮型，黃色瞳孔身穿著一件白色金邊外套，內搭一件黑色高領長袖，帶著他的吉他到火車站外面，不過天空卻下起了大雨，讓他無法順心的表演，幫我根據這個段落生成可以代表內容的圖片</a:t>
+            </a:r>
+            <a:r>
+              <a:rPr lang="en-US" altLang="zh-TW" dirty="0"/>
+              <a:t>(</a:t>
+            </a:r>
+            <a:r>
+              <a:rPr lang="zh-TW" altLang="en-US" dirty="0"/>
+              <a:t>日本動漫風格</a:t>
+            </a:r>
+            <a:r>
+              <a:rPr lang="en-US" altLang="zh-TW" dirty="0"/>
+              <a:t>)</a:t>
+            </a:r>
+            <a:r>
+              <a:rPr lang="zh-TW" altLang="en-US" dirty="0"/>
+              <a:t>，讓我可以看圖說故事的方式演出這個故事</a:t>
+            </a:r>
+          </a:p>
+        </p:txBody>
+      </p:sp>
+      <p:sp>
+        <p:nvSpPr>
+          <p:cNvPr id="4" name="投影片編號版面配置區 3"/>
+          <p:cNvSpPr>
+            <a:spLocks noGrp="1"/>
+          </p:cNvSpPr>
+          <p:nvPr>
+            <p:ph type="sldNum" sz="quarter" idx="5"/>
+          </p:nvPr>
+        </p:nvSpPr>
+        <p:spPr/>
+        <p:txBody>
+          <a:bodyPr/>
+          <a:lstStyle/>
+          <a:p>
+            <a:fld id="{B9096F87-0D61-4612-913E-73C4208B962B}" type="slidenum">
+              <a:rPr lang="zh-TW" altLang="en-US" smtClean="0"/>
+              <a:t>3</a:t>
+            </a:fld>
+            <a:endParaRPr lang="zh-TW" altLang="en-US"/>
+          </a:p>
+        </p:txBody>
+      </p:sp>
+    </p:spTree>
+    <p:extLst>
+      <p:ext uri="{BB962C8B-B14F-4D97-AF65-F5344CB8AC3E}">
+        <p14:creationId xmlns:p14="http://schemas.microsoft.com/office/powerpoint/2010/main" val="445068539"/>
+      </p:ext>
+    </p:extLst>
+  </p:cSld>
+  <p:clrMapOvr>
+    <a:masterClrMapping/>
+  </p:clrMapOvr>
+</p:notes>
+</file>
+
+<file path=ppt/notesSlides/notesSlide4.xml><?xml version="1.0" encoding="utf-8"?>
+<p:notes xmlns:a="http://schemas.openxmlformats.org/drawingml/2006/main" xmlns:r="http://schemas.openxmlformats.org/officeDocument/2006/relationships" xmlns:p="http://schemas.openxmlformats.org/presentationml/2006/main">
+  <p:cSld>
+    <p:spTree>
+      <p:nvGrpSpPr>
+        <p:cNvPr id="1" name=""/>
+        <p:cNvGrpSpPr/>
+        <p:nvPr/>
+      </p:nvGrpSpPr>
+      <p:grpSpPr>
+        <a:xfrm>
+          <a:off x="0" y="0"/>
+          <a:ext cx="0" cy="0"/>
+          <a:chOff x="0" y="0"/>
+          <a:chExt cx="0" cy="0"/>
+        </a:xfrm>
+      </p:grpSpPr>
+      <p:sp>
+        <p:nvSpPr>
+          <p:cNvPr id="2" name="投影片影像版面配置區 1"/>
+          <p:cNvSpPr>
+            <a:spLocks noGrp="1" noRot="1" noChangeAspect="1"/>
+          </p:cNvSpPr>
+          <p:nvPr>
+            <p:ph type="sldImg"/>
+          </p:nvPr>
+        </p:nvSpPr>
+        <p:spPr/>
+      </p:sp>
+      <p:sp>
+        <p:nvSpPr>
+          <p:cNvPr id="3" name="備忘稿版面配置區 2"/>
+          <p:cNvSpPr>
+            <a:spLocks noGrp="1"/>
+          </p:cNvSpPr>
+          <p:nvPr>
+            <p:ph type="body" idx="1"/>
+          </p:nvPr>
+        </p:nvSpPr>
+        <p:spPr/>
+        <p:txBody>
+          <a:bodyPr/>
+          <a:lstStyle/>
+          <a:p>
+            <a:r>
+              <a:rPr lang="zh-TW" altLang="en-US" dirty="0"/>
+              <a:t>主角小拍，他是個銀髮羊毛捲髮型，黃色瞳孔身穿著一件白色金邊外套，內搭一件黑色高領長袖，在火車站內進行表演，幫我根據這個段落生成可以代表內容的全身圖片包含完整的吉他</a:t>
+            </a:r>
+            <a:r>
+              <a:rPr lang="en-US" altLang="zh-TW" dirty="0"/>
+              <a:t>(</a:t>
+            </a:r>
+            <a:r>
+              <a:rPr lang="zh-TW" altLang="en-US" dirty="0"/>
+              <a:t>日本動漫風格</a:t>
+            </a:r>
+            <a:r>
+              <a:rPr lang="en-US" altLang="zh-TW" dirty="0"/>
+              <a:t>)</a:t>
+            </a:r>
+            <a:r>
+              <a:rPr lang="zh-TW" altLang="en-US" dirty="0"/>
+              <a:t>，讓我可以看圖說故事的方式演出這個故事</a:t>
+            </a:r>
+          </a:p>
+        </p:txBody>
+      </p:sp>
+      <p:sp>
+        <p:nvSpPr>
+          <p:cNvPr id="4" name="投影片編號版面配置區 3"/>
+          <p:cNvSpPr>
+            <a:spLocks noGrp="1"/>
+          </p:cNvSpPr>
+          <p:nvPr>
+            <p:ph type="sldNum" sz="quarter" idx="5"/>
+          </p:nvPr>
+        </p:nvSpPr>
+        <p:spPr/>
+        <p:txBody>
+          <a:bodyPr/>
+          <a:lstStyle/>
+          <a:p>
+            <a:fld id="{B9096F87-0D61-4612-913E-73C4208B962B}" type="slidenum">
+              <a:rPr lang="zh-TW" altLang="en-US" smtClean="0"/>
+              <a:t>4</a:t>
+            </a:fld>
+            <a:endParaRPr lang="zh-TW" altLang="en-US"/>
+          </a:p>
+        </p:txBody>
+      </p:sp>
+    </p:spTree>
+    <p:extLst>
+      <p:ext uri="{BB962C8B-B14F-4D97-AF65-F5344CB8AC3E}">
+        <p14:creationId xmlns:p14="http://schemas.microsoft.com/office/powerpoint/2010/main" val="2680137175"/>
+      </p:ext>
+    </p:extLst>
+  </p:cSld>
+  <p:clrMapOvr>
+    <a:masterClrMapping/>
+  </p:clrMapOvr>
+</p:notes>
+</file>
+
+<file path=ppt/notesSlides/notesSlide5.xml><?xml version="1.0" encoding="utf-8"?>
+<p:notes xmlns:a="http://schemas.openxmlformats.org/drawingml/2006/main" xmlns:r="http://schemas.openxmlformats.org/officeDocument/2006/relationships" xmlns:p="http://schemas.openxmlformats.org/presentationml/2006/main">
+  <p:cSld>
+    <p:spTree>
+      <p:nvGrpSpPr>
+        <p:cNvPr id="1" name=""/>
+        <p:cNvGrpSpPr/>
+        <p:nvPr/>
+      </p:nvGrpSpPr>
+      <p:grpSpPr>
+        <a:xfrm>
+          <a:off x="0" y="0"/>
+          <a:ext cx="0" cy="0"/>
+          <a:chOff x="0" y="0"/>
+          <a:chExt cx="0" cy="0"/>
+        </a:xfrm>
+      </p:grpSpPr>
+      <p:sp>
+        <p:nvSpPr>
+          <p:cNvPr id="2" name="投影片影像版面配置區 1"/>
+          <p:cNvSpPr>
+            <a:spLocks noGrp="1" noRot="1" noChangeAspect="1"/>
+          </p:cNvSpPr>
+          <p:nvPr>
+            <p:ph type="sldImg"/>
+          </p:nvPr>
+        </p:nvSpPr>
+        <p:spPr/>
+      </p:sp>
+      <p:sp>
+        <p:nvSpPr>
+          <p:cNvPr id="3" name="備忘稿版面配置區 2"/>
+          <p:cNvSpPr>
+            <a:spLocks noGrp="1"/>
+          </p:cNvSpPr>
+          <p:nvPr>
+            <p:ph type="body" idx="1"/>
+          </p:nvPr>
+        </p:nvSpPr>
+        <p:spPr/>
+        <p:txBody>
+          <a:bodyPr/>
+          <a:lstStyle/>
+          <a:p>
+            <a:r>
+              <a:rPr lang="zh-TW" altLang="en-US" dirty="0"/>
+              <a:t>主角小拍，他是個銀髮羊毛捲髮型，黃色瞳孔身穿著一件白色金邊外套，內搭一件黑色高領長袖，在火車站內彈吉他，但沒什麼人在聽，讓他有點受傷，幫我根據這個段落生成可以代表內容的圖片</a:t>
+            </a:r>
+            <a:r>
+              <a:rPr lang="en-US" altLang="zh-TW" dirty="0"/>
+              <a:t>(</a:t>
+            </a:r>
+            <a:r>
+              <a:rPr lang="zh-TW" altLang="en-US" dirty="0"/>
+              <a:t>日本動漫風格</a:t>
+            </a:r>
+            <a:r>
+              <a:rPr lang="en-US" altLang="zh-TW" dirty="0"/>
+              <a:t>)</a:t>
+            </a:r>
+            <a:r>
+              <a:rPr lang="zh-TW" altLang="en-US" dirty="0"/>
+              <a:t>，讓我可以看圖說故事的方式演出這個故事</a:t>
+            </a:r>
+          </a:p>
+        </p:txBody>
+      </p:sp>
+      <p:sp>
+        <p:nvSpPr>
+          <p:cNvPr id="4" name="投影片編號版面配置區 3"/>
+          <p:cNvSpPr>
+            <a:spLocks noGrp="1"/>
+          </p:cNvSpPr>
+          <p:nvPr>
+            <p:ph type="sldNum" sz="quarter" idx="5"/>
+          </p:nvPr>
+        </p:nvSpPr>
+        <p:spPr/>
+        <p:txBody>
+          <a:bodyPr/>
+          <a:lstStyle/>
+          <a:p>
+            <a:fld id="{B9096F87-0D61-4612-913E-73C4208B962B}" type="slidenum">
+              <a:rPr lang="zh-TW" altLang="en-US" smtClean="0"/>
+              <a:t>5</a:t>
+            </a:fld>
+            <a:endParaRPr lang="zh-TW" altLang="en-US"/>
+          </a:p>
+        </p:txBody>
+      </p:sp>
+    </p:spTree>
+    <p:extLst>
+      <p:ext uri="{BB962C8B-B14F-4D97-AF65-F5344CB8AC3E}">
+        <p14:creationId xmlns:p14="http://schemas.microsoft.com/office/powerpoint/2010/main" val="2317557217"/>
+      </p:ext>
+    </p:extLst>
+  </p:cSld>
+  <p:clrMapOvr>
+    <a:masterClrMapping/>
+  </p:clrMapOvr>
+</p:notes>
+</file>
+
+<file path=ppt/notesSlides/notesSlide6.xml><?xml version="1.0" encoding="utf-8"?>
+<p:notes xmlns:a="http://schemas.openxmlformats.org/drawingml/2006/main" xmlns:r="http://schemas.openxmlformats.org/officeDocument/2006/relationships" xmlns:p="http://schemas.openxmlformats.org/presentationml/2006/main">
+  <p:cSld>
+    <p:spTree>
+      <p:nvGrpSpPr>
+        <p:cNvPr id="1" name=""/>
+        <p:cNvGrpSpPr/>
+        <p:nvPr/>
+      </p:nvGrpSpPr>
+      <p:grpSpPr>
+        <a:xfrm>
+          <a:off x="0" y="0"/>
+          <a:ext cx="0" cy="0"/>
+          <a:chOff x="0" y="0"/>
+          <a:chExt cx="0" cy="0"/>
+        </a:xfrm>
+      </p:grpSpPr>
+      <p:sp>
+        <p:nvSpPr>
+          <p:cNvPr id="2" name="投影片影像版面配置區 1"/>
+          <p:cNvSpPr>
+            <a:spLocks noGrp="1" noRot="1" noChangeAspect="1"/>
+          </p:cNvSpPr>
+          <p:nvPr>
+            <p:ph type="sldImg"/>
+          </p:nvPr>
+        </p:nvSpPr>
+        <p:spPr/>
+      </p:sp>
+      <p:sp>
+        <p:nvSpPr>
+          <p:cNvPr id="3" name="備忘稿版面配置區 2"/>
+          <p:cNvSpPr>
+            <a:spLocks noGrp="1"/>
+          </p:cNvSpPr>
+          <p:nvPr>
+            <p:ph type="body" idx="1"/>
+          </p:nvPr>
+        </p:nvSpPr>
+        <p:spPr/>
+        <p:txBody>
+          <a:bodyPr/>
+          <a:lstStyle/>
+          <a:p>
+            <a:r>
+              <a:rPr lang="zh-TW" altLang="en-US" dirty="0"/>
+              <a:t>主角小拍，他是個銀髮羊毛捲髮型，黃色瞳孔身穿著一件白色金邊外套，內搭一件黑色高領長袖，在火車站內彈吉他，突然有個站務員走過來，才發現是多年未見的好友，他們一起聊了許久。幫我根據這個段落生成可以代表內容的圖片</a:t>
+            </a:r>
+            <a:r>
+              <a:rPr lang="en-US" altLang="zh-TW" dirty="0"/>
+              <a:t>(</a:t>
+            </a:r>
+            <a:r>
+              <a:rPr lang="zh-TW" altLang="en-US" dirty="0"/>
+              <a:t>日本動漫風格</a:t>
+            </a:r>
+            <a:r>
+              <a:rPr lang="en-US" altLang="zh-TW" dirty="0"/>
+              <a:t>)</a:t>
+            </a:r>
+            <a:r>
+              <a:rPr lang="zh-TW" altLang="en-US" dirty="0"/>
+              <a:t>，讓我可以看圖說故事的方式演出這個故事</a:t>
+            </a:r>
+          </a:p>
+        </p:txBody>
+      </p:sp>
+      <p:sp>
+        <p:nvSpPr>
+          <p:cNvPr id="4" name="投影片編號版面配置區 3"/>
+          <p:cNvSpPr>
+            <a:spLocks noGrp="1"/>
+          </p:cNvSpPr>
+          <p:nvPr>
+            <p:ph type="sldNum" sz="quarter" idx="5"/>
+          </p:nvPr>
+        </p:nvSpPr>
+        <p:spPr/>
+        <p:txBody>
+          <a:bodyPr/>
+          <a:lstStyle/>
+          <a:p>
+            <a:fld id="{B9096F87-0D61-4612-913E-73C4208B962B}" type="slidenum">
+              <a:rPr lang="zh-TW" altLang="en-US" smtClean="0"/>
+              <a:t>6</a:t>
+            </a:fld>
+            <a:endParaRPr lang="zh-TW" altLang="en-US"/>
+          </a:p>
+        </p:txBody>
+      </p:sp>
+    </p:spTree>
+    <p:extLst>
+      <p:ext uri="{BB962C8B-B14F-4D97-AF65-F5344CB8AC3E}">
+        <p14:creationId xmlns:p14="http://schemas.microsoft.com/office/powerpoint/2010/main" val="41513348"/>
+      </p:ext>
+    </p:extLst>
+  </p:cSld>
+  <p:clrMapOvr>
+    <a:masterClrMapping/>
+  </p:clrMapOvr>
+</p:notes>
+</file>
+
+<file path=ppt/notesSlides/notesSlide7.xml><?xml version="1.0" encoding="utf-8"?>
+<p:notes xmlns:a="http://schemas.openxmlformats.org/drawingml/2006/main" xmlns:r="http://schemas.openxmlformats.org/officeDocument/2006/relationships" xmlns:p="http://schemas.openxmlformats.org/presentationml/2006/main">
+  <p:cSld>
+    <p:spTree>
+      <p:nvGrpSpPr>
+        <p:cNvPr id="1" name=""/>
+        <p:cNvGrpSpPr/>
+        <p:nvPr/>
+      </p:nvGrpSpPr>
+      <p:grpSpPr>
+        <a:xfrm>
+          <a:off x="0" y="0"/>
+          <a:ext cx="0" cy="0"/>
+          <a:chOff x="0" y="0"/>
+          <a:chExt cx="0" cy="0"/>
+        </a:xfrm>
+      </p:grpSpPr>
+      <p:sp>
+        <p:nvSpPr>
+          <p:cNvPr id="2" name="投影片影像版面配置區 1"/>
+          <p:cNvSpPr>
+            <a:spLocks noGrp="1" noRot="1" noChangeAspect="1"/>
+          </p:cNvSpPr>
+          <p:nvPr>
+            <p:ph type="sldImg"/>
+          </p:nvPr>
+        </p:nvSpPr>
+        <p:spPr/>
+      </p:sp>
+      <p:sp>
+        <p:nvSpPr>
+          <p:cNvPr id="3" name="備忘稿版面配置區 2"/>
+          <p:cNvSpPr>
+            <a:spLocks noGrp="1"/>
+          </p:cNvSpPr>
+          <p:nvPr>
+            <p:ph type="body" idx="1"/>
+          </p:nvPr>
+        </p:nvSpPr>
+        <p:spPr/>
+        <p:txBody>
+          <a:bodyPr/>
+          <a:lstStyle/>
+          <a:p>
+            <a:r>
+              <a:rPr lang="zh-TW" altLang="en-US" dirty="0"/>
+              <a:t>主角小拍，他是個銀髮羊毛捲髮型，黃色瞳孔身穿著一件白色金邊外套，內搭一件黑色高領長袖，好友幫忙宣傳小拍的表演，小拍感到非常感動。幫我根據這個段落生成可以代表內容的圖片</a:t>
+            </a:r>
+            <a:r>
+              <a:rPr lang="en-US" altLang="zh-TW" dirty="0"/>
+              <a:t>(</a:t>
+            </a:r>
+            <a:r>
+              <a:rPr lang="zh-TW" altLang="en-US" dirty="0"/>
+              <a:t>日本動漫風格</a:t>
+            </a:r>
+            <a:r>
+              <a:rPr lang="en-US" altLang="zh-TW" dirty="0"/>
+              <a:t>)</a:t>
+            </a:r>
+            <a:r>
+              <a:rPr lang="zh-TW" altLang="en-US" dirty="0"/>
+              <a:t>，讓我可以看圖說故事的方式演出這個故事</a:t>
+            </a:r>
+          </a:p>
+        </p:txBody>
+      </p:sp>
+      <p:sp>
+        <p:nvSpPr>
+          <p:cNvPr id="4" name="投影片編號版面配置區 3"/>
+          <p:cNvSpPr>
+            <a:spLocks noGrp="1"/>
+          </p:cNvSpPr>
+          <p:nvPr>
+            <p:ph type="sldNum" sz="quarter" idx="5"/>
+          </p:nvPr>
+        </p:nvSpPr>
+        <p:spPr/>
+        <p:txBody>
+          <a:bodyPr/>
+          <a:lstStyle/>
+          <a:p>
+            <a:fld id="{B9096F87-0D61-4612-913E-73C4208B962B}" type="slidenum">
+              <a:rPr lang="zh-TW" altLang="en-US" smtClean="0"/>
+              <a:t>7</a:t>
+            </a:fld>
+            <a:endParaRPr lang="zh-TW" altLang="en-US"/>
+          </a:p>
+        </p:txBody>
+      </p:sp>
+    </p:spTree>
+    <p:extLst>
+      <p:ext uri="{BB962C8B-B14F-4D97-AF65-F5344CB8AC3E}">
+        <p14:creationId xmlns:p14="http://schemas.microsoft.com/office/powerpoint/2010/main" val="278421970"/>
+      </p:ext>
+    </p:extLst>
+  </p:cSld>
+  <p:clrMapOvr>
+    <a:masterClrMapping/>
+  </p:clrMapOvr>
+</p:notes>
+</file>
+
+<file path=ppt/notesSlides/notesSlide8.xml><?xml version="1.0" encoding="utf-8"?>
+<p:notes xmlns:a="http://schemas.openxmlformats.org/drawingml/2006/main" xmlns:r="http://schemas.openxmlformats.org/officeDocument/2006/relationships" xmlns:p="http://schemas.openxmlformats.org/presentationml/2006/main">
+  <p:cSld>
+    <p:spTree>
+      <p:nvGrpSpPr>
+        <p:cNvPr id="1" name=""/>
+        <p:cNvGrpSpPr/>
+        <p:nvPr/>
+      </p:nvGrpSpPr>
+      <p:grpSpPr>
+        <a:xfrm>
+          <a:off x="0" y="0"/>
+          <a:ext cx="0" cy="0"/>
+          <a:chOff x="0" y="0"/>
+          <a:chExt cx="0" cy="0"/>
+        </a:xfrm>
+      </p:grpSpPr>
+      <p:sp>
+        <p:nvSpPr>
+          <p:cNvPr id="2" name="投影片影像版面配置區 1"/>
+          <p:cNvSpPr>
+            <a:spLocks noGrp="1" noRot="1" noChangeAspect="1"/>
+          </p:cNvSpPr>
+          <p:nvPr>
+            <p:ph type="sldImg"/>
+          </p:nvPr>
+        </p:nvSpPr>
+        <p:spPr/>
+      </p:sp>
+      <p:sp>
+        <p:nvSpPr>
+          <p:cNvPr id="3" name="備忘稿版面配置區 2"/>
+          <p:cNvSpPr>
+            <a:spLocks noGrp="1"/>
+          </p:cNvSpPr>
+          <p:nvPr>
+            <p:ph type="body" idx="1"/>
+          </p:nvPr>
+        </p:nvSpPr>
+        <p:spPr/>
+        <p:txBody>
+          <a:bodyPr/>
+          <a:lstStyle/>
+          <a:p>
+            <a:r>
+              <a:rPr lang="zh-TW" altLang="en-US" dirty="0"/>
+              <a:t>小拍是個銀髮羊毛捲髮型，黃色瞳孔身穿黑色高領長袖，外面穿著一件白色夾克然後有金邊，小拍成功舉起了冠軍獎盃，幫我根據這個段落生成可以代表內容的圖片</a:t>
+            </a:r>
+            <a:r>
+              <a:rPr lang="en-US" altLang="zh-TW" dirty="0"/>
+              <a:t>(</a:t>
+            </a:r>
+            <a:r>
+              <a:rPr lang="zh-TW" altLang="en-US" dirty="0"/>
+              <a:t>日本動漫風格</a:t>
+            </a:r>
+            <a:r>
+              <a:rPr lang="en-US" altLang="zh-TW" dirty="0"/>
+              <a:t>)</a:t>
+            </a:r>
+            <a:r>
+              <a:rPr lang="zh-TW" altLang="en-US" dirty="0"/>
+              <a:t>，讓我可以看圖說故事的方式演出這個故事</a:t>
+            </a:r>
+            <a:endParaRPr lang="en-US" altLang="zh-TW" dirty="0"/>
+          </a:p>
+        </p:txBody>
+      </p:sp>
+      <p:sp>
+        <p:nvSpPr>
+          <p:cNvPr id="4" name="投影片編號版面配置區 3"/>
+          <p:cNvSpPr>
+            <a:spLocks noGrp="1"/>
+          </p:cNvSpPr>
+          <p:nvPr>
+            <p:ph type="sldNum" sz="quarter" idx="5"/>
+          </p:nvPr>
+        </p:nvSpPr>
+        <p:spPr/>
+        <p:txBody>
+          <a:bodyPr/>
+          <a:lstStyle/>
+          <a:p>
+            <a:fld id="{B9096F87-0D61-4612-913E-73C4208B962B}" type="slidenum">
+              <a:rPr lang="zh-TW" altLang="en-US" smtClean="0"/>
+              <a:t>8</a:t>
+            </a:fld>
+            <a:endParaRPr lang="zh-TW" altLang="en-US"/>
+          </a:p>
+        </p:txBody>
+      </p:sp>
+    </p:spTree>
+    <p:extLst>
+      <p:ext uri="{BB962C8B-B14F-4D97-AF65-F5344CB8AC3E}">
+        <p14:creationId xmlns:p14="http://schemas.microsoft.com/office/powerpoint/2010/main" val="3267110249"/>
+      </p:ext>
+    </p:extLst>
+  </p:cSld>
+  <p:clrMapOvr>
+    <a:masterClrMapping/>
+  </p:clrMapOvr>
+</p:notes>
+</file>
+
 <file path=ppt/slideLayouts/slideLayout1.xml><?xml version="1.0" encoding="utf-8"?>
 <p:sldLayout xmlns:a="http://schemas.openxmlformats.org/drawingml/2006/main" xmlns:r="http://schemas.openxmlformats.org/officeDocument/2006/relationships" xmlns:p="http://schemas.openxmlformats.org/presentationml/2006/main" type="title" preserve="1">
   <p:cSld name="標題投影片">
@@ -129,7 +1301,7 @@
           <p:cNvPr id="2" name="標題 1">
             <a:extLst>
               <a:ext uri="{FF2B5EF4-FFF2-40B4-BE49-F238E27FC236}">
-                <a16:creationId xmlns:a16="http://schemas.microsoft.com/office/drawing/2014/main" id="{EB5CC918-B447-434E-B98E-5847BB49C259}"/>
+                <a16:creationId xmlns:a16="http://schemas.microsoft.com/office/drawing/2014/main" id="{E83CEBE6-0970-40E1-BA60-17037D20360F}"/>
               </a:ext>
             </a:extLst>
           </p:cNvPr>
@@ -166,7 +1338,7 @@
           <p:cNvPr id="3" name="副標題 2">
             <a:extLst>
               <a:ext uri="{FF2B5EF4-FFF2-40B4-BE49-F238E27FC236}">
-                <a16:creationId xmlns:a16="http://schemas.microsoft.com/office/drawing/2014/main" id="{817FCC70-CC4E-4CB6-B2CF-9FDA5AC4D346}"/>
+                <a16:creationId xmlns:a16="http://schemas.microsoft.com/office/drawing/2014/main" id="{1990257E-22BF-4885-8E2F-FAA888509239}"/>
               </a:ext>
             </a:extLst>
           </p:cNvPr>
@@ -236,7 +1408,7 @@
           <p:cNvPr id="4" name="日期版面配置區 3">
             <a:extLst>
               <a:ext uri="{FF2B5EF4-FFF2-40B4-BE49-F238E27FC236}">
-                <a16:creationId xmlns:a16="http://schemas.microsoft.com/office/drawing/2014/main" id="{BD08F018-0004-4322-AD0F-E6E740964233}"/>
+                <a16:creationId xmlns:a16="http://schemas.microsoft.com/office/drawing/2014/main" id="{19542054-07C7-4DA9-BCB7-01D255001359}"/>
               </a:ext>
             </a:extLst>
           </p:cNvPr>
@@ -252,9 +1424,9 @@
           <a:bodyPr/>
           <a:lstStyle/>
           <a:p>
-            <a:fld id="{C3C90D7E-32D6-4894-AE08-7BBB3E610FC9}" type="datetimeFigureOut">
+            <a:fld id="{9A15E1AF-F83F-40BF-B3F7-FC33912CC8D8}" type="datetimeFigureOut">
               <a:rPr lang="zh-TW" altLang="en-US" smtClean="0"/>
-              <a:t>2024/9/16</a:t>
+              <a:t>2024/10/31</a:t>
             </a:fld>
             <a:endParaRPr lang="zh-TW" altLang="en-US"/>
           </a:p>
@@ -265,7 +1437,7 @@
           <p:cNvPr id="5" name="頁尾版面配置區 4">
             <a:extLst>
               <a:ext uri="{FF2B5EF4-FFF2-40B4-BE49-F238E27FC236}">
-                <a16:creationId xmlns:a16="http://schemas.microsoft.com/office/drawing/2014/main" id="{30427B34-CB13-41C7-B2F2-CED9BDC5B595}"/>
+                <a16:creationId xmlns:a16="http://schemas.microsoft.com/office/drawing/2014/main" id="{9F5B6269-A337-4FE8-ADFD-301C7D05815C}"/>
               </a:ext>
             </a:extLst>
           </p:cNvPr>
@@ -290,7 +1462,7 @@
           <p:cNvPr id="6" name="投影片編號版面配置區 5">
             <a:extLst>
               <a:ext uri="{FF2B5EF4-FFF2-40B4-BE49-F238E27FC236}">
-                <a16:creationId xmlns:a16="http://schemas.microsoft.com/office/drawing/2014/main" id="{76FA962E-5B03-439A-928C-87366876542D}"/>
+                <a16:creationId xmlns:a16="http://schemas.microsoft.com/office/drawing/2014/main" id="{A52284D8-2BA0-4BFD-8238-15896E5997D6}"/>
               </a:ext>
             </a:extLst>
           </p:cNvPr>
@@ -306,7 +1478,7 @@
           <a:bodyPr/>
           <a:lstStyle/>
           <a:p>
-            <a:fld id="{E31EC408-072F-4346-BD0A-D6AA5788A305}" type="slidenum">
+            <a:fld id="{315EE8D9-CC62-4AB5-89A9-0BA60FF9A926}" type="slidenum">
               <a:rPr lang="zh-TW" altLang="en-US" smtClean="0"/>
               <a:t>‹#›</a:t>
             </a:fld>
@@ -317,7 +1489,7 @@
     </p:spTree>
     <p:extLst>
       <p:ext uri="{BB962C8B-B14F-4D97-AF65-F5344CB8AC3E}">
-        <p14:creationId xmlns:p14="http://schemas.microsoft.com/office/powerpoint/2010/main" val="2963035110"/>
+        <p14:creationId xmlns:p14="http://schemas.microsoft.com/office/powerpoint/2010/main" val="4203525373"/>
       </p:ext>
     </p:extLst>
   </p:cSld>
@@ -349,7 +1521,7 @@
           <p:cNvPr id="2" name="標題 1">
             <a:extLst>
               <a:ext uri="{FF2B5EF4-FFF2-40B4-BE49-F238E27FC236}">
-                <a16:creationId xmlns:a16="http://schemas.microsoft.com/office/drawing/2014/main" id="{A02F0018-7F8E-4206-A929-07CDC6B5F34A}"/>
+                <a16:creationId xmlns:a16="http://schemas.microsoft.com/office/drawing/2014/main" id="{C9C25ED9-F14E-4702-942C-49E997FF7CCF}"/>
               </a:ext>
             </a:extLst>
           </p:cNvPr>
@@ -377,7 +1549,7 @@
           <p:cNvPr id="3" name="直排文字版面配置區 2">
             <a:extLst>
               <a:ext uri="{FF2B5EF4-FFF2-40B4-BE49-F238E27FC236}">
-                <a16:creationId xmlns:a16="http://schemas.microsoft.com/office/drawing/2014/main" id="{9B801E88-34C3-4545-A358-81F5614FED64}"/>
+                <a16:creationId xmlns:a16="http://schemas.microsoft.com/office/drawing/2014/main" id="{EAA05D36-8928-4390-86A4-1264372E2E82}"/>
               </a:ext>
             </a:extLst>
           </p:cNvPr>
@@ -434,7 +1606,7 @@
           <p:cNvPr id="4" name="日期版面配置區 3">
             <a:extLst>
               <a:ext uri="{FF2B5EF4-FFF2-40B4-BE49-F238E27FC236}">
-                <a16:creationId xmlns:a16="http://schemas.microsoft.com/office/drawing/2014/main" id="{60AFD716-8B99-4230-B55F-C8B88ECBB171}"/>
+                <a16:creationId xmlns:a16="http://schemas.microsoft.com/office/drawing/2014/main" id="{054355DB-F7BB-42C4-B7DD-B876A607DB24}"/>
               </a:ext>
             </a:extLst>
           </p:cNvPr>
@@ -450,9 +1622,9 @@
           <a:bodyPr/>
           <a:lstStyle/>
           <a:p>
-            <a:fld id="{C3C90D7E-32D6-4894-AE08-7BBB3E610FC9}" type="datetimeFigureOut">
+            <a:fld id="{9A15E1AF-F83F-40BF-B3F7-FC33912CC8D8}" type="datetimeFigureOut">
               <a:rPr lang="zh-TW" altLang="en-US" smtClean="0"/>
-              <a:t>2024/9/16</a:t>
+              <a:t>2024/10/31</a:t>
             </a:fld>
             <a:endParaRPr lang="zh-TW" altLang="en-US"/>
           </a:p>
@@ -463,7 +1635,7 @@
           <p:cNvPr id="5" name="頁尾版面配置區 4">
             <a:extLst>
               <a:ext uri="{FF2B5EF4-FFF2-40B4-BE49-F238E27FC236}">
-                <a16:creationId xmlns:a16="http://schemas.microsoft.com/office/drawing/2014/main" id="{EA374743-76D9-4BF8-A60C-2F50B2636A8A}"/>
+                <a16:creationId xmlns:a16="http://schemas.microsoft.com/office/drawing/2014/main" id="{0DAA2725-C658-4529-B6D0-F02AFF6DD066}"/>
               </a:ext>
             </a:extLst>
           </p:cNvPr>
@@ -488,7 +1660,7 @@
           <p:cNvPr id="6" name="投影片編號版面配置區 5">
             <a:extLst>
               <a:ext uri="{FF2B5EF4-FFF2-40B4-BE49-F238E27FC236}">
-                <a16:creationId xmlns:a16="http://schemas.microsoft.com/office/drawing/2014/main" id="{00454594-6C11-4013-A666-A151E960EC9B}"/>
+                <a16:creationId xmlns:a16="http://schemas.microsoft.com/office/drawing/2014/main" id="{8E523CA2-FEF9-4310-AC45-174C33073995}"/>
               </a:ext>
             </a:extLst>
           </p:cNvPr>
@@ -504,7 +1676,7 @@
           <a:bodyPr/>
           <a:lstStyle/>
           <a:p>
-            <a:fld id="{E31EC408-072F-4346-BD0A-D6AA5788A305}" type="slidenum">
+            <a:fld id="{315EE8D9-CC62-4AB5-89A9-0BA60FF9A926}" type="slidenum">
               <a:rPr lang="zh-TW" altLang="en-US" smtClean="0"/>
               <a:t>‹#›</a:t>
             </a:fld>
@@ -515,7 +1687,7 @@
     </p:spTree>
     <p:extLst>
       <p:ext uri="{BB962C8B-B14F-4D97-AF65-F5344CB8AC3E}">
-        <p14:creationId xmlns:p14="http://schemas.microsoft.com/office/powerpoint/2010/main" val="188953001"/>
+        <p14:creationId xmlns:p14="http://schemas.microsoft.com/office/powerpoint/2010/main" val="2587165206"/>
       </p:ext>
     </p:extLst>
   </p:cSld>
@@ -547,7 +1719,7 @@
           <p:cNvPr id="2" name="直排標題 1">
             <a:extLst>
               <a:ext uri="{FF2B5EF4-FFF2-40B4-BE49-F238E27FC236}">
-                <a16:creationId xmlns:a16="http://schemas.microsoft.com/office/drawing/2014/main" id="{70F760AC-E708-4605-85E2-7D0F424B3E29}"/>
+                <a16:creationId xmlns:a16="http://schemas.microsoft.com/office/drawing/2014/main" id="{331BE5FF-0226-4640-BB07-AB95A2D72236}"/>
               </a:ext>
             </a:extLst>
           </p:cNvPr>
@@ -580,7 +1752,7 @@
           <p:cNvPr id="3" name="直排文字版面配置區 2">
             <a:extLst>
               <a:ext uri="{FF2B5EF4-FFF2-40B4-BE49-F238E27FC236}">
-                <a16:creationId xmlns:a16="http://schemas.microsoft.com/office/drawing/2014/main" id="{84BECF48-F3B6-4D47-82A8-C6AE92EDC2F0}"/>
+                <a16:creationId xmlns:a16="http://schemas.microsoft.com/office/drawing/2014/main" id="{FEE67D05-BFD0-49FD-BFF4-CE533D514BA0}"/>
               </a:ext>
             </a:extLst>
           </p:cNvPr>
@@ -642,7 +1814,7 @@
           <p:cNvPr id="4" name="日期版面配置區 3">
             <a:extLst>
               <a:ext uri="{FF2B5EF4-FFF2-40B4-BE49-F238E27FC236}">
-                <a16:creationId xmlns:a16="http://schemas.microsoft.com/office/drawing/2014/main" id="{215DE52A-093E-4116-A2FE-F61BA999B89F}"/>
+                <a16:creationId xmlns:a16="http://schemas.microsoft.com/office/drawing/2014/main" id="{FE51A2F3-228C-42C5-ABFB-1E6DB92DE91E}"/>
               </a:ext>
             </a:extLst>
           </p:cNvPr>
@@ -658,9 +1830,9 @@
           <a:bodyPr/>
           <a:lstStyle/>
           <a:p>
-            <a:fld id="{C3C90D7E-32D6-4894-AE08-7BBB3E610FC9}" type="datetimeFigureOut">
+            <a:fld id="{9A15E1AF-F83F-40BF-B3F7-FC33912CC8D8}" type="datetimeFigureOut">
               <a:rPr lang="zh-TW" altLang="en-US" smtClean="0"/>
-              <a:t>2024/9/16</a:t>
+              <a:t>2024/10/31</a:t>
             </a:fld>
             <a:endParaRPr lang="zh-TW" altLang="en-US"/>
           </a:p>
@@ -671,7 +1843,7 @@
           <p:cNvPr id="5" name="頁尾版面配置區 4">
             <a:extLst>
               <a:ext uri="{FF2B5EF4-FFF2-40B4-BE49-F238E27FC236}">
-                <a16:creationId xmlns:a16="http://schemas.microsoft.com/office/drawing/2014/main" id="{34553FE1-A5D9-4070-AA9C-378F491D4677}"/>
+                <a16:creationId xmlns:a16="http://schemas.microsoft.com/office/drawing/2014/main" id="{27C26CDF-14A4-4762-8F36-3DCF091233F9}"/>
               </a:ext>
             </a:extLst>
           </p:cNvPr>
@@ -696,7 +1868,7 @@
           <p:cNvPr id="6" name="投影片編號版面配置區 5">
             <a:extLst>
               <a:ext uri="{FF2B5EF4-FFF2-40B4-BE49-F238E27FC236}">
-                <a16:creationId xmlns:a16="http://schemas.microsoft.com/office/drawing/2014/main" id="{928EFDDC-5B11-4543-8144-518625EDA57F}"/>
+                <a16:creationId xmlns:a16="http://schemas.microsoft.com/office/drawing/2014/main" id="{FE2E5587-3616-4CD0-8303-5D9AA1D000AB}"/>
               </a:ext>
             </a:extLst>
           </p:cNvPr>
@@ -712,7 +1884,7 @@
           <a:bodyPr/>
           <a:lstStyle/>
           <a:p>
-            <a:fld id="{E31EC408-072F-4346-BD0A-D6AA5788A305}" type="slidenum">
+            <a:fld id="{315EE8D9-CC62-4AB5-89A9-0BA60FF9A926}" type="slidenum">
               <a:rPr lang="zh-TW" altLang="en-US" smtClean="0"/>
               <a:t>‹#›</a:t>
             </a:fld>
@@ -723,7 +1895,7 @@
     </p:spTree>
     <p:extLst>
       <p:ext uri="{BB962C8B-B14F-4D97-AF65-F5344CB8AC3E}">
-        <p14:creationId xmlns:p14="http://schemas.microsoft.com/office/powerpoint/2010/main" val="2483123943"/>
+        <p14:creationId xmlns:p14="http://schemas.microsoft.com/office/powerpoint/2010/main" val="3983926384"/>
       </p:ext>
     </p:extLst>
   </p:cSld>
@@ -755,7 +1927,7 @@
           <p:cNvPr id="2" name="標題 1">
             <a:extLst>
               <a:ext uri="{FF2B5EF4-FFF2-40B4-BE49-F238E27FC236}">
-                <a16:creationId xmlns:a16="http://schemas.microsoft.com/office/drawing/2014/main" id="{A1BFCF4C-FB58-444C-B754-A594851E4C7B}"/>
+                <a16:creationId xmlns:a16="http://schemas.microsoft.com/office/drawing/2014/main" id="{C28409FE-C4E5-47A4-9857-034A998B277A}"/>
               </a:ext>
             </a:extLst>
           </p:cNvPr>
@@ -783,7 +1955,7 @@
           <p:cNvPr id="3" name="內容版面配置區 2">
             <a:extLst>
               <a:ext uri="{FF2B5EF4-FFF2-40B4-BE49-F238E27FC236}">
-                <a16:creationId xmlns:a16="http://schemas.microsoft.com/office/drawing/2014/main" id="{987C475D-648F-4511-A6FE-04B04F755F93}"/>
+                <a16:creationId xmlns:a16="http://schemas.microsoft.com/office/drawing/2014/main" id="{79FBA797-A472-421A-8924-2905F08612A7}"/>
               </a:ext>
             </a:extLst>
           </p:cNvPr>
@@ -840,7 +2012,7 @@
           <p:cNvPr id="4" name="日期版面配置區 3">
             <a:extLst>
               <a:ext uri="{FF2B5EF4-FFF2-40B4-BE49-F238E27FC236}">
-                <a16:creationId xmlns:a16="http://schemas.microsoft.com/office/drawing/2014/main" id="{F511FCF8-D8F7-4914-920F-D63F2D97F713}"/>
+                <a16:creationId xmlns:a16="http://schemas.microsoft.com/office/drawing/2014/main" id="{83C29566-57EE-4CDB-AA95-F4C40D8DD964}"/>
               </a:ext>
             </a:extLst>
           </p:cNvPr>
@@ -856,9 +2028,9 @@
           <a:bodyPr/>
           <a:lstStyle/>
           <a:p>
-            <a:fld id="{C3C90D7E-32D6-4894-AE08-7BBB3E610FC9}" type="datetimeFigureOut">
+            <a:fld id="{9A15E1AF-F83F-40BF-B3F7-FC33912CC8D8}" type="datetimeFigureOut">
               <a:rPr lang="zh-TW" altLang="en-US" smtClean="0"/>
-              <a:t>2024/9/16</a:t>
+              <a:t>2024/10/31</a:t>
             </a:fld>
             <a:endParaRPr lang="zh-TW" altLang="en-US"/>
           </a:p>
@@ -869,7 +2041,7 @@
           <p:cNvPr id="5" name="頁尾版面配置區 4">
             <a:extLst>
               <a:ext uri="{FF2B5EF4-FFF2-40B4-BE49-F238E27FC236}">
-                <a16:creationId xmlns:a16="http://schemas.microsoft.com/office/drawing/2014/main" id="{7E1D3E8F-338D-4B4D-B411-5282866FF95D}"/>
+                <a16:creationId xmlns:a16="http://schemas.microsoft.com/office/drawing/2014/main" id="{7A113B1C-8AAE-4214-9971-AD85C4EB3AAF}"/>
               </a:ext>
             </a:extLst>
           </p:cNvPr>
@@ -894,7 +2066,7 @@
           <p:cNvPr id="6" name="投影片編號版面配置區 5">
             <a:extLst>
               <a:ext uri="{FF2B5EF4-FFF2-40B4-BE49-F238E27FC236}">
-                <a16:creationId xmlns:a16="http://schemas.microsoft.com/office/drawing/2014/main" id="{F7DF3AD5-06B6-42D8-AEDF-66CCE6582524}"/>
+                <a16:creationId xmlns:a16="http://schemas.microsoft.com/office/drawing/2014/main" id="{1F689403-44D1-42C9-9150-1EF17F24B8D5}"/>
               </a:ext>
             </a:extLst>
           </p:cNvPr>
@@ -910,7 +2082,7 @@
           <a:bodyPr/>
           <a:lstStyle/>
           <a:p>
-            <a:fld id="{E31EC408-072F-4346-BD0A-D6AA5788A305}" type="slidenum">
+            <a:fld id="{315EE8D9-CC62-4AB5-89A9-0BA60FF9A926}" type="slidenum">
               <a:rPr lang="zh-TW" altLang="en-US" smtClean="0"/>
               <a:t>‹#›</a:t>
             </a:fld>
@@ -921,7 +2093,7 @@
     </p:spTree>
     <p:extLst>
       <p:ext uri="{BB962C8B-B14F-4D97-AF65-F5344CB8AC3E}">
-        <p14:creationId xmlns:p14="http://schemas.microsoft.com/office/powerpoint/2010/main" val="4198509733"/>
+        <p14:creationId xmlns:p14="http://schemas.microsoft.com/office/powerpoint/2010/main" val="881623478"/>
       </p:ext>
     </p:extLst>
   </p:cSld>
@@ -953,7 +2125,7 @@
           <p:cNvPr id="2" name="標題 1">
             <a:extLst>
               <a:ext uri="{FF2B5EF4-FFF2-40B4-BE49-F238E27FC236}">
-                <a16:creationId xmlns:a16="http://schemas.microsoft.com/office/drawing/2014/main" id="{5986B870-2B24-4658-9AEB-3C92E8E40B41}"/>
+                <a16:creationId xmlns:a16="http://schemas.microsoft.com/office/drawing/2014/main" id="{1B82727F-46D1-429F-A05B-086CF352430C}"/>
               </a:ext>
             </a:extLst>
           </p:cNvPr>
@@ -990,7 +2162,7 @@
           <p:cNvPr id="3" name="文字版面配置區 2">
             <a:extLst>
               <a:ext uri="{FF2B5EF4-FFF2-40B4-BE49-F238E27FC236}">
-                <a16:creationId xmlns:a16="http://schemas.microsoft.com/office/drawing/2014/main" id="{90235018-E757-4630-8511-F466B919268F}"/>
+                <a16:creationId xmlns:a16="http://schemas.microsoft.com/office/drawing/2014/main" id="{171CA7D8-E469-48B0-AD31-413AE494BB03}"/>
               </a:ext>
             </a:extLst>
           </p:cNvPr>
@@ -1115,7 +2287,7 @@
           <p:cNvPr id="4" name="日期版面配置區 3">
             <a:extLst>
               <a:ext uri="{FF2B5EF4-FFF2-40B4-BE49-F238E27FC236}">
-                <a16:creationId xmlns:a16="http://schemas.microsoft.com/office/drawing/2014/main" id="{37546C76-CF19-433D-9070-0A54A149F1B2}"/>
+                <a16:creationId xmlns:a16="http://schemas.microsoft.com/office/drawing/2014/main" id="{1B0BFCC3-C603-4DC8-9D5B-DFF7AB81AE7B}"/>
               </a:ext>
             </a:extLst>
           </p:cNvPr>
@@ -1131,9 +2303,9 @@
           <a:bodyPr/>
           <a:lstStyle/>
           <a:p>
-            <a:fld id="{C3C90D7E-32D6-4894-AE08-7BBB3E610FC9}" type="datetimeFigureOut">
+            <a:fld id="{9A15E1AF-F83F-40BF-B3F7-FC33912CC8D8}" type="datetimeFigureOut">
               <a:rPr lang="zh-TW" altLang="en-US" smtClean="0"/>
-              <a:t>2024/9/16</a:t>
+              <a:t>2024/10/31</a:t>
             </a:fld>
             <a:endParaRPr lang="zh-TW" altLang="en-US"/>
           </a:p>
@@ -1144,7 +2316,7 @@
           <p:cNvPr id="5" name="頁尾版面配置區 4">
             <a:extLst>
               <a:ext uri="{FF2B5EF4-FFF2-40B4-BE49-F238E27FC236}">
-                <a16:creationId xmlns:a16="http://schemas.microsoft.com/office/drawing/2014/main" id="{9C9DC25F-827C-4564-AD0E-7FD815D53AF7}"/>
+                <a16:creationId xmlns:a16="http://schemas.microsoft.com/office/drawing/2014/main" id="{F701E48B-6149-48D1-9151-B0166B1DF0ED}"/>
               </a:ext>
             </a:extLst>
           </p:cNvPr>
@@ -1169,7 +2341,7 @@
           <p:cNvPr id="6" name="投影片編號版面配置區 5">
             <a:extLst>
               <a:ext uri="{FF2B5EF4-FFF2-40B4-BE49-F238E27FC236}">
-                <a16:creationId xmlns:a16="http://schemas.microsoft.com/office/drawing/2014/main" id="{8C0653A6-68AA-4213-8D62-EAF9243D6998}"/>
+                <a16:creationId xmlns:a16="http://schemas.microsoft.com/office/drawing/2014/main" id="{113323AE-B541-4329-9F1B-CE491DD81662}"/>
               </a:ext>
             </a:extLst>
           </p:cNvPr>
@@ -1185,7 +2357,7 @@
           <a:bodyPr/>
           <a:lstStyle/>
           <a:p>
-            <a:fld id="{E31EC408-072F-4346-BD0A-D6AA5788A305}" type="slidenum">
+            <a:fld id="{315EE8D9-CC62-4AB5-89A9-0BA60FF9A926}" type="slidenum">
               <a:rPr lang="zh-TW" altLang="en-US" smtClean="0"/>
               <a:t>‹#›</a:t>
             </a:fld>
@@ -1196,7 +2368,7 @@
     </p:spTree>
     <p:extLst>
       <p:ext uri="{BB962C8B-B14F-4D97-AF65-F5344CB8AC3E}">
-        <p14:creationId xmlns:p14="http://schemas.microsoft.com/office/powerpoint/2010/main" val="3126775509"/>
+        <p14:creationId xmlns:p14="http://schemas.microsoft.com/office/powerpoint/2010/main" val="2299482696"/>
       </p:ext>
     </p:extLst>
   </p:cSld>
@@ -1228,7 +2400,7 @@
           <p:cNvPr id="2" name="標題 1">
             <a:extLst>
               <a:ext uri="{FF2B5EF4-FFF2-40B4-BE49-F238E27FC236}">
-                <a16:creationId xmlns:a16="http://schemas.microsoft.com/office/drawing/2014/main" id="{F8A74D77-9E6E-4FD1-97AD-0ADC1228B6AF}"/>
+                <a16:creationId xmlns:a16="http://schemas.microsoft.com/office/drawing/2014/main" id="{25D2BC66-167F-4DBE-9C96-182AB9DE358B}"/>
               </a:ext>
             </a:extLst>
           </p:cNvPr>
@@ -1256,7 +2428,7 @@
           <p:cNvPr id="3" name="內容版面配置區 2">
             <a:extLst>
               <a:ext uri="{FF2B5EF4-FFF2-40B4-BE49-F238E27FC236}">
-                <a16:creationId xmlns:a16="http://schemas.microsoft.com/office/drawing/2014/main" id="{9FDE4E9B-689C-4373-B281-9636BE211982}"/>
+                <a16:creationId xmlns:a16="http://schemas.microsoft.com/office/drawing/2014/main" id="{4C2257DA-E979-4F8A-84A0-E30475A56200}"/>
               </a:ext>
             </a:extLst>
           </p:cNvPr>
@@ -1318,7 +2490,7 @@
           <p:cNvPr id="4" name="內容版面配置區 3">
             <a:extLst>
               <a:ext uri="{FF2B5EF4-FFF2-40B4-BE49-F238E27FC236}">
-                <a16:creationId xmlns:a16="http://schemas.microsoft.com/office/drawing/2014/main" id="{CD25EC10-0BDA-4ECA-AB8E-059AC3378E22}"/>
+                <a16:creationId xmlns:a16="http://schemas.microsoft.com/office/drawing/2014/main" id="{A7755AF3-130A-411A-97E9-D2DDDA4FFBE5}"/>
               </a:ext>
             </a:extLst>
           </p:cNvPr>
@@ -1380,7 +2552,7 @@
           <p:cNvPr id="5" name="日期版面配置區 4">
             <a:extLst>
               <a:ext uri="{FF2B5EF4-FFF2-40B4-BE49-F238E27FC236}">
-                <a16:creationId xmlns:a16="http://schemas.microsoft.com/office/drawing/2014/main" id="{63DAF127-0983-4C38-869C-C0A513FA9147}"/>
+                <a16:creationId xmlns:a16="http://schemas.microsoft.com/office/drawing/2014/main" id="{F3462B1A-E89C-4CCE-8D30-D4E698630A10}"/>
               </a:ext>
             </a:extLst>
           </p:cNvPr>
@@ -1396,9 +2568,9 @@
           <a:bodyPr/>
           <a:lstStyle/>
           <a:p>
-            <a:fld id="{C3C90D7E-32D6-4894-AE08-7BBB3E610FC9}" type="datetimeFigureOut">
+            <a:fld id="{9A15E1AF-F83F-40BF-B3F7-FC33912CC8D8}" type="datetimeFigureOut">
               <a:rPr lang="zh-TW" altLang="en-US" smtClean="0"/>
-              <a:t>2024/9/16</a:t>
+              <a:t>2024/10/31</a:t>
             </a:fld>
             <a:endParaRPr lang="zh-TW" altLang="en-US"/>
           </a:p>
@@ -1409,7 +2581,7 @@
           <p:cNvPr id="6" name="頁尾版面配置區 5">
             <a:extLst>
               <a:ext uri="{FF2B5EF4-FFF2-40B4-BE49-F238E27FC236}">
-                <a16:creationId xmlns:a16="http://schemas.microsoft.com/office/drawing/2014/main" id="{E014CBA6-CCE3-4CF4-8E13-D895EDBD8F25}"/>
+                <a16:creationId xmlns:a16="http://schemas.microsoft.com/office/drawing/2014/main" id="{4047FC1C-65BA-422F-8D63-D5A8F3C425F5}"/>
               </a:ext>
             </a:extLst>
           </p:cNvPr>
@@ -1434,7 +2606,7 @@
           <p:cNvPr id="7" name="投影片編號版面配置區 6">
             <a:extLst>
               <a:ext uri="{FF2B5EF4-FFF2-40B4-BE49-F238E27FC236}">
-                <a16:creationId xmlns:a16="http://schemas.microsoft.com/office/drawing/2014/main" id="{5CEAA8E5-79B3-445E-B8C3-29BD56CE6D7A}"/>
+                <a16:creationId xmlns:a16="http://schemas.microsoft.com/office/drawing/2014/main" id="{58A2AF9D-71C8-48E5-B114-82DC8E9F6488}"/>
               </a:ext>
             </a:extLst>
           </p:cNvPr>
@@ -1450,7 +2622,7 @@
           <a:bodyPr/>
           <a:lstStyle/>
           <a:p>
-            <a:fld id="{E31EC408-072F-4346-BD0A-D6AA5788A305}" type="slidenum">
+            <a:fld id="{315EE8D9-CC62-4AB5-89A9-0BA60FF9A926}" type="slidenum">
               <a:rPr lang="zh-TW" altLang="en-US" smtClean="0"/>
               <a:t>‹#›</a:t>
             </a:fld>
@@ -1461,7 +2633,7 @@
     </p:spTree>
     <p:extLst>
       <p:ext uri="{BB962C8B-B14F-4D97-AF65-F5344CB8AC3E}">
-        <p14:creationId xmlns:p14="http://schemas.microsoft.com/office/powerpoint/2010/main" val="3858213488"/>
+        <p14:creationId xmlns:p14="http://schemas.microsoft.com/office/powerpoint/2010/main" val="39557182"/>
       </p:ext>
     </p:extLst>
   </p:cSld>
@@ -1493,7 +2665,7 @@
           <p:cNvPr id="2" name="標題 1">
             <a:extLst>
               <a:ext uri="{FF2B5EF4-FFF2-40B4-BE49-F238E27FC236}">
-                <a16:creationId xmlns:a16="http://schemas.microsoft.com/office/drawing/2014/main" id="{A00F76B6-8DEC-4A74-A06A-BA0146321CD8}"/>
+                <a16:creationId xmlns:a16="http://schemas.microsoft.com/office/drawing/2014/main" id="{B39D6AC7-A532-4801-B196-C9AFB209D447}"/>
               </a:ext>
             </a:extLst>
           </p:cNvPr>
@@ -1526,7 +2698,7 @@
           <p:cNvPr id="3" name="文字版面配置區 2">
             <a:extLst>
               <a:ext uri="{FF2B5EF4-FFF2-40B4-BE49-F238E27FC236}">
-                <a16:creationId xmlns:a16="http://schemas.microsoft.com/office/drawing/2014/main" id="{EF00F5C5-99A7-4F16-855A-F170362659F7}"/>
+                <a16:creationId xmlns:a16="http://schemas.microsoft.com/office/drawing/2014/main" id="{4691685F-E2EA-4D21-83AF-352E4D307E6E}"/>
               </a:ext>
             </a:extLst>
           </p:cNvPr>
@@ -1597,7 +2769,7 @@
           <p:cNvPr id="4" name="內容版面配置區 3">
             <a:extLst>
               <a:ext uri="{FF2B5EF4-FFF2-40B4-BE49-F238E27FC236}">
-                <a16:creationId xmlns:a16="http://schemas.microsoft.com/office/drawing/2014/main" id="{6722BEB2-C9B4-4C14-8234-D17E84349984}"/>
+                <a16:creationId xmlns:a16="http://schemas.microsoft.com/office/drawing/2014/main" id="{9F24A60E-C999-43B5-8963-56CE8098A261}"/>
               </a:ext>
             </a:extLst>
           </p:cNvPr>
@@ -1659,7 +2831,7 @@
           <p:cNvPr id="5" name="文字版面配置區 4">
             <a:extLst>
               <a:ext uri="{FF2B5EF4-FFF2-40B4-BE49-F238E27FC236}">
-                <a16:creationId xmlns:a16="http://schemas.microsoft.com/office/drawing/2014/main" id="{E4A41162-A0AC-4211-940F-4B92208F9B0E}"/>
+                <a16:creationId xmlns:a16="http://schemas.microsoft.com/office/drawing/2014/main" id="{BE43C052-E496-4777-99C1-ED0446DD5AE7}"/>
               </a:ext>
             </a:extLst>
           </p:cNvPr>
@@ -1730,7 +2902,7 @@
           <p:cNvPr id="6" name="內容版面配置區 5">
             <a:extLst>
               <a:ext uri="{FF2B5EF4-FFF2-40B4-BE49-F238E27FC236}">
-                <a16:creationId xmlns:a16="http://schemas.microsoft.com/office/drawing/2014/main" id="{E8EA159A-F9D7-4F58-A7C3-6E5B65E42266}"/>
+                <a16:creationId xmlns:a16="http://schemas.microsoft.com/office/drawing/2014/main" id="{791EAE0C-4D41-4101-8AFD-D13DA53DC2BF}"/>
               </a:ext>
             </a:extLst>
           </p:cNvPr>
@@ -1792,7 +2964,7 @@
           <p:cNvPr id="7" name="日期版面配置區 6">
             <a:extLst>
               <a:ext uri="{FF2B5EF4-FFF2-40B4-BE49-F238E27FC236}">
-                <a16:creationId xmlns:a16="http://schemas.microsoft.com/office/drawing/2014/main" id="{AE973E80-9141-48B7-A9D7-605A4541768F}"/>
+                <a16:creationId xmlns:a16="http://schemas.microsoft.com/office/drawing/2014/main" id="{32886510-8839-41FD-8FCD-FA1EA8469C1D}"/>
               </a:ext>
             </a:extLst>
           </p:cNvPr>
@@ -1808,9 +2980,9 @@
           <a:bodyPr/>
           <a:lstStyle/>
           <a:p>
-            <a:fld id="{C3C90D7E-32D6-4894-AE08-7BBB3E610FC9}" type="datetimeFigureOut">
+            <a:fld id="{9A15E1AF-F83F-40BF-B3F7-FC33912CC8D8}" type="datetimeFigureOut">
               <a:rPr lang="zh-TW" altLang="en-US" smtClean="0"/>
-              <a:t>2024/9/16</a:t>
+              <a:t>2024/10/31</a:t>
             </a:fld>
             <a:endParaRPr lang="zh-TW" altLang="en-US"/>
           </a:p>
@@ -1821,7 +2993,7 @@
           <p:cNvPr id="8" name="頁尾版面配置區 7">
             <a:extLst>
               <a:ext uri="{FF2B5EF4-FFF2-40B4-BE49-F238E27FC236}">
-                <a16:creationId xmlns:a16="http://schemas.microsoft.com/office/drawing/2014/main" id="{6520B07A-79F8-43E7-8013-632DD2AED223}"/>
+                <a16:creationId xmlns:a16="http://schemas.microsoft.com/office/drawing/2014/main" id="{44A57494-0345-463E-A16A-A41D35083067}"/>
               </a:ext>
             </a:extLst>
           </p:cNvPr>
@@ -1846,7 +3018,7 @@
           <p:cNvPr id="9" name="投影片編號版面配置區 8">
             <a:extLst>
               <a:ext uri="{FF2B5EF4-FFF2-40B4-BE49-F238E27FC236}">
-                <a16:creationId xmlns:a16="http://schemas.microsoft.com/office/drawing/2014/main" id="{3B997D8F-4F1C-4DE6-A82C-3E0C38ACAE96}"/>
+                <a16:creationId xmlns:a16="http://schemas.microsoft.com/office/drawing/2014/main" id="{B66F3C0E-040B-4BF5-82D1-850A90C16B45}"/>
               </a:ext>
             </a:extLst>
           </p:cNvPr>
@@ -1862,7 +3034,7 @@
           <a:bodyPr/>
           <a:lstStyle/>
           <a:p>
-            <a:fld id="{E31EC408-072F-4346-BD0A-D6AA5788A305}" type="slidenum">
+            <a:fld id="{315EE8D9-CC62-4AB5-89A9-0BA60FF9A926}" type="slidenum">
               <a:rPr lang="zh-TW" altLang="en-US" smtClean="0"/>
               <a:t>‹#›</a:t>
             </a:fld>
@@ -1873,7 +3045,7 @@
     </p:spTree>
     <p:extLst>
       <p:ext uri="{BB962C8B-B14F-4D97-AF65-F5344CB8AC3E}">
-        <p14:creationId xmlns:p14="http://schemas.microsoft.com/office/powerpoint/2010/main" val="3379995638"/>
+        <p14:creationId xmlns:p14="http://schemas.microsoft.com/office/powerpoint/2010/main" val="2924147807"/>
       </p:ext>
     </p:extLst>
   </p:cSld>
@@ -1905,7 +3077,7 @@
           <p:cNvPr id="2" name="標題 1">
             <a:extLst>
               <a:ext uri="{FF2B5EF4-FFF2-40B4-BE49-F238E27FC236}">
-                <a16:creationId xmlns:a16="http://schemas.microsoft.com/office/drawing/2014/main" id="{6CE04611-FD10-429D-89AA-73C259B64293}"/>
+                <a16:creationId xmlns:a16="http://schemas.microsoft.com/office/drawing/2014/main" id="{F88AA2BE-A39F-457F-BF97-FFEBBF1A8077}"/>
               </a:ext>
             </a:extLst>
           </p:cNvPr>
@@ -1933,7 +3105,7 @@
           <p:cNvPr id="3" name="日期版面配置區 2">
             <a:extLst>
               <a:ext uri="{FF2B5EF4-FFF2-40B4-BE49-F238E27FC236}">
-                <a16:creationId xmlns:a16="http://schemas.microsoft.com/office/drawing/2014/main" id="{2D9009F3-A280-4DA8-ACC4-187DE2172BCA}"/>
+                <a16:creationId xmlns:a16="http://schemas.microsoft.com/office/drawing/2014/main" id="{440E00DE-25D6-492C-9C3D-01618C3C589A}"/>
               </a:ext>
             </a:extLst>
           </p:cNvPr>
@@ -1949,9 +3121,9 @@
           <a:bodyPr/>
           <a:lstStyle/>
           <a:p>
-            <a:fld id="{C3C90D7E-32D6-4894-AE08-7BBB3E610FC9}" type="datetimeFigureOut">
+            <a:fld id="{9A15E1AF-F83F-40BF-B3F7-FC33912CC8D8}" type="datetimeFigureOut">
               <a:rPr lang="zh-TW" altLang="en-US" smtClean="0"/>
-              <a:t>2024/9/16</a:t>
+              <a:t>2024/10/31</a:t>
             </a:fld>
             <a:endParaRPr lang="zh-TW" altLang="en-US"/>
           </a:p>
@@ -1962,7 +3134,7 @@
           <p:cNvPr id="4" name="頁尾版面配置區 3">
             <a:extLst>
               <a:ext uri="{FF2B5EF4-FFF2-40B4-BE49-F238E27FC236}">
-                <a16:creationId xmlns:a16="http://schemas.microsoft.com/office/drawing/2014/main" id="{F8FD791E-F627-4DDB-AD69-F7639FDD1767}"/>
+                <a16:creationId xmlns:a16="http://schemas.microsoft.com/office/drawing/2014/main" id="{6E8F4993-0142-4483-A26B-B78E6539D1C4}"/>
               </a:ext>
             </a:extLst>
           </p:cNvPr>
@@ -1987,7 +3159,7 @@
           <p:cNvPr id="5" name="投影片編號版面配置區 4">
             <a:extLst>
               <a:ext uri="{FF2B5EF4-FFF2-40B4-BE49-F238E27FC236}">
-                <a16:creationId xmlns:a16="http://schemas.microsoft.com/office/drawing/2014/main" id="{CE9C3C73-9A1B-4A20-B40C-BF8E0726E9AE}"/>
+                <a16:creationId xmlns:a16="http://schemas.microsoft.com/office/drawing/2014/main" id="{47C141B7-A7FE-4F6E-B2DF-117D7553752B}"/>
               </a:ext>
             </a:extLst>
           </p:cNvPr>
@@ -2003,7 +3175,7 @@
           <a:bodyPr/>
           <a:lstStyle/>
           <a:p>
-            <a:fld id="{E31EC408-072F-4346-BD0A-D6AA5788A305}" type="slidenum">
+            <a:fld id="{315EE8D9-CC62-4AB5-89A9-0BA60FF9A926}" type="slidenum">
               <a:rPr lang="zh-TW" altLang="en-US" smtClean="0"/>
               <a:t>‹#›</a:t>
             </a:fld>
@@ -2014,7 +3186,7 @@
     </p:spTree>
     <p:extLst>
       <p:ext uri="{BB962C8B-B14F-4D97-AF65-F5344CB8AC3E}">
-        <p14:creationId xmlns:p14="http://schemas.microsoft.com/office/powerpoint/2010/main" val="3116621787"/>
+        <p14:creationId xmlns:p14="http://schemas.microsoft.com/office/powerpoint/2010/main" val="3446044184"/>
       </p:ext>
     </p:extLst>
   </p:cSld>
@@ -2046,7 +3218,7 @@
           <p:cNvPr id="2" name="日期版面配置區 1">
             <a:extLst>
               <a:ext uri="{FF2B5EF4-FFF2-40B4-BE49-F238E27FC236}">
-                <a16:creationId xmlns:a16="http://schemas.microsoft.com/office/drawing/2014/main" id="{1E1D8EED-F2A7-4221-9887-0DBB62EB3F80}"/>
+                <a16:creationId xmlns:a16="http://schemas.microsoft.com/office/drawing/2014/main" id="{2EF3D8EB-31E2-408D-9D1F-EB6A477572CF}"/>
               </a:ext>
             </a:extLst>
           </p:cNvPr>
@@ -2062,9 +3234,9 @@
           <a:bodyPr/>
           <a:lstStyle/>
           <a:p>
-            <a:fld id="{C3C90D7E-32D6-4894-AE08-7BBB3E610FC9}" type="datetimeFigureOut">
+            <a:fld id="{9A15E1AF-F83F-40BF-B3F7-FC33912CC8D8}" type="datetimeFigureOut">
               <a:rPr lang="zh-TW" altLang="en-US" smtClean="0"/>
-              <a:t>2024/9/16</a:t>
+              <a:t>2024/10/31</a:t>
             </a:fld>
             <a:endParaRPr lang="zh-TW" altLang="en-US"/>
           </a:p>
@@ -2075,7 +3247,7 @@
           <p:cNvPr id="3" name="頁尾版面配置區 2">
             <a:extLst>
               <a:ext uri="{FF2B5EF4-FFF2-40B4-BE49-F238E27FC236}">
-                <a16:creationId xmlns:a16="http://schemas.microsoft.com/office/drawing/2014/main" id="{10593B39-DC86-45A7-85EF-B4DB9C28DC80}"/>
+                <a16:creationId xmlns:a16="http://schemas.microsoft.com/office/drawing/2014/main" id="{94CF644D-A219-46F6-AA42-8E62B4784C2B}"/>
               </a:ext>
             </a:extLst>
           </p:cNvPr>
@@ -2100,7 +3272,7 @@
           <p:cNvPr id="4" name="投影片編號版面配置區 3">
             <a:extLst>
               <a:ext uri="{FF2B5EF4-FFF2-40B4-BE49-F238E27FC236}">
-                <a16:creationId xmlns:a16="http://schemas.microsoft.com/office/drawing/2014/main" id="{3D9056B2-6966-4CAF-94D1-2295A737E168}"/>
+                <a16:creationId xmlns:a16="http://schemas.microsoft.com/office/drawing/2014/main" id="{932C6B99-58CE-43F8-A8FD-B6A7A8867637}"/>
               </a:ext>
             </a:extLst>
           </p:cNvPr>
@@ -2116,7 +3288,7 @@
           <a:bodyPr/>
           <a:lstStyle/>
           <a:p>
-            <a:fld id="{E31EC408-072F-4346-BD0A-D6AA5788A305}" type="slidenum">
+            <a:fld id="{315EE8D9-CC62-4AB5-89A9-0BA60FF9A926}" type="slidenum">
               <a:rPr lang="zh-TW" altLang="en-US" smtClean="0"/>
               <a:t>‹#›</a:t>
             </a:fld>
@@ -2127,7 +3299,7 @@
     </p:spTree>
     <p:extLst>
       <p:ext uri="{BB962C8B-B14F-4D97-AF65-F5344CB8AC3E}">
-        <p14:creationId xmlns:p14="http://schemas.microsoft.com/office/powerpoint/2010/main" val="3887241942"/>
+        <p14:creationId xmlns:p14="http://schemas.microsoft.com/office/powerpoint/2010/main" val="3445178789"/>
       </p:ext>
     </p:extLst>
   </p:cSld>
@@ -2159,7 +3331,7 @@
           <p:cNvPr id="2" name="標題 1">
             <a:extLst>
               <a:ext uri="{FF2B5EF4-FFF2-40B4-BE49-F238E27FC236}">
-                <a16:creationId xmlns:a16="http://schemas.microsoft.com/office/drawing/2014/main" id="{5C3076DF-D16B-4600-9550-96C6A8DD7F1A}"/>
+                <a16:creationId xmlns:a16="http://schemas.microsoft.com/office/drawing/2014/main" id="{1380EB37-82C7-417F-9113-BFED7A8F205F}"/>
               </a:ext>
             </a:extLst>
           </p:cNvPr>
@@ -2196,7 +3368,7 @@
           <p:cNvPr id="3" name="內容版面配置區 2">
             <a:extLst>
               <a:ext uri="{FF2B5EF4-FFF2-40B4-BE49-F238E27FC236}">
-                <a16:creationId xmlns:a16="http://schemas.microsoft.com/office/drawing/2014/main" id="{9CD3D667-FDE5-4F5D-9495-588EC18912CE}"/>
+                <a16:creationId xmlns:a16="http://schemas.microsoft.com/office/drawing/2014/main" id="{9855B9EE-71EF-48EB-9C0B-82A64E37F7E7}"/>
               </a:ext>
             </a:extLst>
           </p:cNvPr>
@@ -2286,7 +3458,7 @@
           <p:cNvPr id="4" name="文字版面配置區 3">
             <a:extLst>
               <a:ext uri="{FF2B5EF4-FFF2-40B4-BE49-F238E27FC236}">
-                <a16:creationId xmlns:a16="http://schemas.microsoft.com/office/drawing/2014/main" id="{22F511E7-BEEF-4F51-BA0E-52C1908D5608}"/>
+                <a16:creationId xmlns:a16="http://schemas.microsoft.com/office/drawing/2014/main" id="{9F582CCD-7CE2-4180-AFF3-7B810AEDB1D2}"/>
               </a:ext>
             </a:extLst>
           </p:cNvPr>
@@ -2357,7 +3529,7 @@
           <p:cNvPr id="5" name="日期版面配置區 4">
             <a:extLst>
               <a:ext uri="{FF2B5EF4-FFF2-40B4-BE49-F238E27FC236}">
-                <a16:creationId xmlns:a16="http://schemas.microsoft.com/office/drawing/2014/main" id="{88060697-A92E-4178-A790-FCBB90D70573}"/>
+                <a16:creationId xmlns:a16="http://schemas.microsoft.com/office/drawing/2014/main" id="{E0F32390-8519-4585-B585-4AE4520A7B7C}"/>
               </a:ext>
             </a:extLst>
           </p:cNvPr>
@@ -2373,9 +3545,9 @@
           <a:bodyPr/>
           <a:lstStyle/>
           <a:p>
-            <a:fld id="{C3C90D7E-32D6-4894-AE08-7BBB3E610FC9}" type="datetimeFigureOut">
+            <a:fld id="{9A15E1AF-F83F-40BF-B3F7-FC33912CC8D8}" type="datetimeFigureOut">
               <a:rPr lang="zh-TW" altLang="en-US" smtClean="0"/>
-              <a:t>2024/9/16</a:t>
+              <a:t>2024/10/31</a:t>
             </a:fld>
             <a:endParaRPr lang="zh-TW" altLang="en-US"/>
           </a:p>
@@ -2386,7 +3558,7 @@
           <p:cNvPr id="6" name="頁尾版面配置區 5">
             <a:extLst>
               <a:ext uri="{FF2B5EF4-FFF2-40B4-BE49-F238E27FC236}">
-                <a16:creationId xmlns:a16="http://schemas.microsoft.com/office/drawing/2014/main" id="{2A8E3F57-A99A-4C4C-BF14-EE42AB99CE78}"/>
+                <a16:creationId xmlns:a16="http://schemas.microsoft.com/office/drawing/2014/main" id="{BCD0BDB9-F941-4CAA-90C5-F6B7035AED10}"/>
               </a:ext>
             </a:extLst>
           </p:cNvPr>
@@ -2411,7 +3583,7 @@
           <p:cNvPr id="7" name="投影片編號版面配置區 6">
             <a:extLst>
               <a:ext uri="{FF2B5EF4-FFF2-40B4-BE49-F238E27FC236}">
-                <a16:creationId xmlns:a16="http://schemas.microsoft.com/office/drawing/2014/main" id="{39234440-6924-48D7-AC1A-200D5946BCA9}"/>
+                <a16:creationId xmlns:a16="http://schemas.microsoft.com/office/drawing/2014/main" id="{D718F29E-9752-49DD-96C5-BD75A3187736}"/>
               </a:ext>
             </a:extLst>
           </p:cNvPr>
@@ -2427,7 +3599,7 @@
           <a:bodyPr/>
           <a:lstStyle/>
           <a:p>
-            <a:fld id="{E31EC408-072F-4346-BD0A-D6AA5788A305}" type="slidenum">
+            <a:fld id="{315EE8D9-CC62-4AB5-89A9-0BA60FF9A926}" type="slidenum">
               <a:rPr lang="zh-TW" altLang="en-US" smtClean="0"/>
               <a:t>‹#›</a:t>
             </a:fld>
@@ -2438,7 +3610,7 @@
     </p:spTree>
     <p:extLst>
       <p:ext uri="{BB962C8B-B14F-4D97-AF65-F5344CB8AC3E}">
-        <p14:creationId xmlns:p14="http://schemas.microsoft.com/office/powerpoint/2010/main" val="2036183199"/>
+        <p14:creationId xmlns:p14="http://schemas.microsoft.com/office/powerpoint/2010/main" val="3752192836"/>
       </p:ext>
     </p:extLst>
   </p:cSld>
@@ -2470,7 +3642,7 @@
           <p:cNvPr id="2" name="標題 1">
             <a:extLst>
               <a:ext uri="{FF2B5EF4-FFF2-40B4-BE49-F238E27FC236}">
-                <a16:creationId xmlns:a16="http://schemas.microsoft.com/office/drawing/2014/main" id="{B2E81694-0B93-4D65-9DA3-21597478A96C}"/>
+                <a16:creationId xmlns:a16="http://schemas.microsoft.com/office/drawing/2014/main" id="{17562646-3BE3-47F1-B4A8-879FF5702DBB}"/>
               </a:ext>
             </a:extLst>
           </p:cNvPr>
@@ -2507,7 +3679,7 @@
           <p:cNvPr id="3" name="圖片版面配置區 2">
             <a:extLst>
               <a:ext uri="{FF2B5EF4-FFF2-40B4-BE49-F238E27FC236}">
-                <a16:creationId xmlns:a16="http://schemas.microsoft.com/office/drawing/2014/main" id="{23E4D718-8CB0-4334-BB8A-FB8B57D7CDC6}"/>
+                <a16:creationId xmlns:a16="http://schemas.microsoft.com/office/drawing/2014/main" id="{D4C980C0-AAB0-4F39-8820-2057794EB4C0}"/>
               </a:ext>
             </a:extLst>
           </p:cNvPr>
@@ -2574,7 +3746,7 @@
           <p:cNvPr id="4" name="文字版面配置區 3">
             <a:extLst>
               <a:ext uri="{FF2B5EF4-FFF2-40B4-BE49-F238E27FC236}">
-                <a16:creationId xmlns:a16="http://schemas.microsoft.com/office/drawing/2014/main" id="{0DC47463-53E7-4FE3-B60B-1657D11127BD}"/>
+                <a16:creationId xmlns:a16="http://schemas.microsoft.com/office/drawing/2014/main" id="{B946CDFD-3D25-48E6-B9B9-C356295C4C35}"/>
               </a:ext>
             </a:extLst>
           </p:cNvPr>
@@ -2645,7 +3817,7 @@
           <p:cNvPr id="5" name="日期版面配置區 4">
             <a:extLst>
               <a:ext uri="{FF2B5EF4-FFF2-40B4-BE49-F238E27FC236}">
-                <a16:creationId xmlns:a16="http://schemas.microsoft.com/office/drawing/2014/main" id="{28875DC5-6AFF-40C0-8C77-F81A0A3E1B0F}"/>
+                <a16:creationId xmlns:a16="http://schemas.microsoft.com/office/drawing/2014/main" id="{494F5034-BD3D-4CB2-86B0-ABADBA6EF0C0}"/>
               </a:ext>
             </a:extLst>
           </p:cNvPr>
@@ -2661,9 +3833,9 @@
           <a:bodyPr/>
           <a:lstStyle/>
           <a:p>
-            <a:fld id="{C3C90D7E-32D6-4894-AE08-7BBB3E610FC9}" type="datetimeFigureOut">
+            <a:fld id="{9A15E1AF-F83F-40BF-B3F7-FC33912CC8D8}" type="datetimeFigureOut">
               <a:rPr lang="zh-TW" altLang="en-US" smtClean="0"/>
-              <a:t>2024/9/16</a:t>
+              <a:t>2024/10/31</a:t>
             </a:fld>
             <a:endParaRPr lang="zh-TW" altLang="en-US"/>
           </a:p>
@@ -2674,7 +3846,7 @@
           <p:cNvPr id="6" name="頁尾版面配置區 5">
             <a:extLst>
               <a:ext uri="{FF2B5EF4-FFF2-40B4-BE49-F238E27FC236}">
-                <a16:creationId xmlns:a16="http://schemas.microsoft.com/office/drawing/2014/main" id="{24F8A973-6D07-4F0C-97A0-280FEFC238E0}"/>
+                <a16:creationId xmlns:a16="http://schemas.microsoft.com/office/drawing/2014/main" id="{A8D83C66-B0F7-4627-9660-C85DEBCA4ECB}"/>
               </a:ext>
             </a:extLst>
           </p:cNvPr>
@@ -2699,7 +3871,7 @@
           <p:cNvPr id="7" name="投影片編號版面配置區 6">
             <a:extLst>
               <a:ext uri="{FF2B5EF4-FFF2-40B4-BE49-F238E27FC236}">
-                <a16:creationId xmlns:a16="http://schemas.microsoft.com/office/drawing/2014/main" id="{DB60BB1E-F41B-40F0-929B-5208374980BF}"/>
+                <a16:creationId xmlns:a16="http://schemas.microsoft.com/office/drawing/2014/main" id="{383810F2-9DB2-477D-84B9-C79864E3CEB2}"/>
               </a:ext>
             </a:extLst>
           </p:cNvPr>
@@ -2715,7 +3887,7 @@
           <a:bodyPr/>
           <a:lstStyle/>
           <a:p>
-            <a:fld id="{E31EC408-072F-4346-BD0A-D6AA5788A305}" type="slidenum">
+            <a:fld id="{315EE8D9-CC62-4AB5-89A9-0BA60FF9A926}" type="slidenum">
               <a:rPr lang="zh-TW" altLang="en-US" smtClean="0"/>
               <a:t>‹#›</a:t>
             </a:fld>
@@ -2726,7 +3898,7 @@
     </p:spTree>
     <p:extLst>
       <p:ext uri="{BB962C8B-B14F-4D97-AF65-F5344CB8AC3E}">
-        <p14:creationId xmlns:p14="http://schemas.microsoft.com/office/powerpoint/2010/main" val="3148270851"/>
+        <p14:creationId xmlns:p14="http://schemas.microsoft.com/office/powerpoint/2010/main" val="2390310272"/>
       </p:ext>
     </p:extLst>
   </p:cSld>
@@ -2763,7 +3935,7 @@
           <p:cNvPr id="2" name="標題版面配置區 1">
             <a:extLst>
               <a:ext uri="{FF2B5EF4-FFF2-40B4-BE49-F238E27FC236}">
-                <a16:creationId xmlns:a16="http://schemas.microsoft.com/office/drawing/2014/main" id="{B8575AAC-624C-4B52-ABD4-699B1E35D2CF}"/>
+                <a16:creationId xmlns:a16="http://schemas.microsoft.com/office/drawing/2014/main" id="{723B4152-CAEB-4A25-BE2B-51352E23CD5E}"/>
               </a:ext>
             </a:extLst>
           </p:cNvPr>
@@ -2801,7 +3973,7 @@
           <p:cNvPr id="3" name="文字版面配置區 2">
             <a:extLst>
               <a:ext uri="{FF2B5EF4-FFF2-40B4-BE49-F238E27FC236}">
-                <a16:creationId xmlns:a16="http://schemas.microsoft.com/office/drawing/2014/main" id="{76722991-C57D-471F-8271-C419A1CFB074}"/>
+                <a16:creationId xmlns:a16="http://schemas.microsoft.com/office/drawing/2014/main" id="{5E065F85-F3ED-4702-841B-51A471BCFDBB}"/>
               </a:ext>
             </a:extLst>
           </p:cNvPr>
@@ -2868,7 +4040,7 @@
           <p:cNvPr id="4" name="日期版面配置區 3">
             <a:extLst>
               <a:ext uri="{FF2B5EF4-FFF2-40B4-BE49-F238E27FC236}">
-                <a16:creationId xmlns:a16="http://schemas.microsoft.com/office/drawing/2014/main" id="{85C839DD-8CBF-4E23-A0C7-7C039E950BB8}"/>
+                <a16:creationId xmlns:a16="http://schemas.microsoft.com/office/drawing/2014/main" id="{CBAC58B6-A0A5-4A08-B804-B209E5497264}"/>
               </a:ext>
             </a:extLst>
           </p:cNvPr>
@@ -2902,9 +4074,9 @@
             </a:lvl1pPr>
           </a:lstStyle>
           <a:p>
-            <a:fld id="{C3C90D7E-32D6-4894-AE08-7BBB3E610FC9}" type="datetimeFigureOut">
+            <a:fld id="{9A15E1AF-F83F-40BF-B3F7-FC33912CC8D8}" type="datetimeFigureOut">
               <a:rPr lang="zh-TW" altLang="en-US" smtClean="0"/>
-              <a:t>2024/9/16</a:t>
+              <a:t>2024/10/31</a:t>
             </a:fld>
             <a:endParaRPr lang="zh-TW" altLang="en-US"/>
           </a:p>
@@ -2915,7 +4087,7 @@
           <p:cNvPr id="5" name="頁尾版面配置區 4">
             <a:extLst>
               <a:ext uri="{FF2B5EF4-FFF2-40B4-BE49-F238E27FC236}">
-                <a16:creationId xmlns:a16="http://schemas.microsoft.com/office/drawing/2014/main" id="{12802D8A-77D4-418C-8190-43B6ADED2131}"/>
+                <a16:creationId xmlns:a16="http://schemas.microsoft.com/office/drawing/2014/main" id="{F9FD4A24-C5B1-4674-8BB9-6A141BA358DE}"/>
               </a:ext>
             </a:extLst>
           </p:cNvPr>
@@ -2958,7 +4130,7 @@
           <p:cNvPr id="6" name="投影片編號版面配置區 5">
             <a:extLst>
               <a:ext uri="{FF2B5EF4-FFF2-40B4-BE49-F238E27FC236}">
-                <a16:creationId xmlns:a16="http://schemas.microsoft.com/office/drawing/2014/main" id="{7072B55E-2BE2-4AF4-AFF8-2A716F492F1C}"/>
+                <a16:creationId xmlns:a16="http://schemas.microsoft.com/office/drawing/2014/main" id="{D8CBD4F8-C38C-4EFE-80BB-E8F59F8806ED}"/>
               </a:ext>
             </a:extLst>
           </p:cNvPr>
@@ -2992,7 +4164,7 @@
             </a:lvl1pPr>
           </a:lstStyle>
           <a:p>
-            <a:fld id="{E31EC408-072F-4346-BD0A-D6AA5788A305}" type="slidenum">
+            <a:fld id="{315EE8D9-CC62-4AB5-89A9-0BA60FF9A926}" type="slidenum">
               <a:rPr lang="zh-TW" altLang="en-US" smtClean="0"/>
               <a:t>‹#›</a:t>
             </a:fld>
@@ -3003,7 +4175,7 @@
     </p:spTree>
     <p:extLst>
       <p:ext uri="{BB962C8B-B14F-4D97-AF65-F5344CB8AC3E}">
-        <p14:creationId xmlns:p14="http://schemas.microsoft.com/office/powerpoint/2010/main" val="2016052060"/>
+        <p14:creationId xmlns:p14="http://schemas.microsoft.com/office/powerpoint/2010/main" val="95578751"/>
       </p:ext>
     </p:extLst>
   </p:cSld>
@@ -3307,6 +4479,16 @@
 <file path=ppt/slides/slide1.xml><?xml version="1.0" encoding="utf-8"?>
 <p:sld xmlns:a="http://schemas.openxmlformats.org/drawingml/2006/main" xmlns:r="http://schemas.openxmlformats.org/officeDocument/2006/relationships" xmlns:p="http://schemas.openxmlformats.org/presentationml/2006/main">
   <p:cSld>
+    <p:bg>
+      <p:bgPr>
+        <a:solidFill>
+          <a:schemeClr val="bg2">
+            <a:lumMod val="90000"/>
+          </a:schemeClr>
+        </a:solidFill>
+        <a:effectLst/>
+      </p:bgPr>
+    </p:bg>
     <p:spTree>
       <p:nvGrpSpPr>
         <p:cNvPr id="1" name=""/>
@@ -3326,7 +4508,7 @@
           <p:cNvPr id="2" name="標題 1">
             <a:extLst>
               <a:ext uri="{FF2B5EF4-FFF2-40B4-BE49-F238E27FC236}">
-                <a16:creationId xmlns:a16="http://schemas.microsoft.com/office/drawing/2014/main" id="{32532283-9F93-4E44-8138-32796965361F}"/>
+                <a16:creationId xmlns:a16="http://schemas.microsoft.com/office/drawing/2014/main" id="{997D7B2E-8ED5-465F-A190-75584A9737CD}"/>
               </a:ext>
             </a:extLst>
           </p:cNvPr>
@@ -3337,44 +4519,1063 @@
             <p:ph type="ctrTitle"/>
           </p:nvPr>
         </p:nvSpPr>
-        <p:spPr/>
-        <p:txBody>
-          <a:bodyPr/>
-          <a:lstStyle/>
-          <a:p>
-            <a:endParaRPr lang="zh-TW" altLang="en-US"/>
-          </a:p>
-        </p:txBody>
-      </p:sp>
-      <p:sp>
-        <p:nvSpPr>
-          <p:cNvPr id="3" name="副標題 2">
-            <a:extLst>
-              <a:ext uri="{FF2B5EF4-FFF2-40B4-BE49-F238E27FC236}">
-                <a16:creationId xmlns:a16="http://schemas.microsoft.com/office/drawing/2014/main" id="{8C946F38-524D-4B98-B9CB-80AEE57E455A}"/>
-              </a:ext>
-            </a:extLst>
-          </p:cNvPr>
-          <p:cNvSpPr>
-            <a:spLocks noGrp="1"/>
-          </p:cNvSpPr>
-          <p:nvPr>
-            <p:ph type="subTitle" idx="1"/>
-          </p:nvPr>
-        </p:nvSpPr>
-        <p:spPr/>
-        <p:txBody>
-          <a:bodyPr/>
-          <a:lstStyle/>
-          <a:p>
-            <a:endParaRPr lang="zh-TW" altLang="en-US"/>
+        <p:spPr>
+          <a:xfrm>
+            <a:off x="1196453" y="2227832"/>
+            <a:ext cx="4572000" cy="1388825"/>
+          </a:xfrm>
+        </p:spPr>
+        <p:txBody>
+          <a:bodyPr>
+            <a:normAutofit fontScale="90000"/>
+          </a:bodyPr>
+          <a:lstStyle/>
+          <a:p>
+            <a:r>
+              <a:rPr lang="zh-TW" altLang="en-US" dirty="0">
+                <a:latin typeface="微軟正黑體" panose="020B0604030504040204" pitchFamily="34" charset="-120"/>
+                <a:ea typeface="微軟正黑體" panose="020B0604030504040204" pitchFamily="34" charset="-120"/>
+              </a:rPr>
+              <a:t>我的冒險故事</a:t>
+            </a:r>
+          </a:p>
+        </p:txBody>
+      </p:sp>
+      <p:sp>
+        <p:nvSpPr>
+          <p:cNvPr id="5" name="文字方塊 4">
+            <a:extLst>
+              <a:ext uri="{FF2B5EF4-FFF2-40B4-BE49-F238E27FC236}">
+                <a16:creationId xmlns:a16="http://schemas.microsoft.com/office/drawing/2014/main" id="{848A3083-26F6-4E8F-82CB-17AAFA1C3CC6}"/>
+              </a:ext>
+            </a:extLst>
+          </p:cNvPr>
+          <p:cNvSpPr txBox="1"/>
+          <p:nvPr/>
+        </p:nvSpPr>
+        <p:spPr>
+          <a:xfrm>
+            <a:off x="1481375" y="4282181"/>
+            <a:ext cx="4002156" cy="369332"/>
+          </a:xfrm>
+          <a:prstGeom prst="rect">
+            <a:avLst/>
+          </a:prstGeom>
+          <a:noFill/>
+        </p:spPr>
+        <p:txBody>
+          <a:bodyPr wrap="square" rtlCol="0">
+            <a:spAutoFit/>
+          </a:bodyPr>
+          <a:lstStyle/>
+          <a:p>
+            <a:pPr algn="ctr"/>
+            <a:r>
+              <a:rPr lang="en-US" altLang="zh-TW" dirty="0"/>
+              <a:t>112598088</a:t>
+            </a:r>
+            <a:r>
+              <a:rPr lang="zh-TW" altLang="en-US" dirty="0"/>
+              <a:t> 何柏憲</a:t>
+            </a:r>
           </a:p>
         </p:txBody>
       </p:sp>
     </p:spTree>
     <p:extLst>
       <p:ext uri="{BB962C8B-B14F-4D97-AF65-F5344CB8AC3E}">
-        <p14:creationId xmlns:p14="http://schemas.microsoft.com/office/powerpoint/2010/main" val="1328321055"/>
+        <p14:creationId xmlns:p14="http://schemas.microsoft.com/office/powerpoint/2010/main" val="4166974609"/>
+      </p:ext>
+    </p:extLst>
+  </p:cSld>
+  <p:clrMapOvr>
+    <a:masterClrMapping/>
+  </p:clrMapOvr>
+</p:sld>
+</file>
+
+<file path=ppt/slides/slide2.xml><?xml version="1.0" encoding="utf-8"?>
+<p:sld xmlns:a="http://schemas.openxmlformats.org/drawingml/2006/main" xmlns:r="http://schemas.openxmlformats.org/officeDocument/2006/relationships" xmlns:p="http://schemas.openxmlformats.org/presentationml/2006/main">
+  <p:cSld>
+    <p:bg>
+      <p:bgPr>
+        <a:solidFill>
+          <a:schemeClr val="bg2">
+            <a:lumMod val="90000"/>
+          </a:schemeClr>
+        </a:solidFill>
+        <a:effectLst/>
+      </p:bgPr>
+    </p:bg>
+    <p:spTree>
+      <p:nvGrpSpPr>
+        <p:cNvPr id="1" name=""/>
+        <p:cNvGrpSpPr/>
+        <p:nvPr/>
+      </p:nvGrpSpPr>
+      <p:grpSpPr>
+        <a:xfrm>
+          <a:off x="0" y="0"/>
+          <a:ext cx="0" cy="0"/>
+          <a:chOff x="0" y="0"/>
+          <a:chExt cx="0" cy="0"/>
+        </a:xfrm>
+      </p:grpSpPr>
+      <p:sp>
+        <p:nvSpPr>
+          <p:cNvPr id="2" name="標題 1">
+            <a:extLst>
+              <a:ext uri="{FF2B5EF4-FFF2-40B4-BE49-F238E27FC236}">
+                <a16:creationId xmlns:a16="http://schemas.microsoft.com/office/drawing/2014/main" id="{997D7B2E-8ED5-465F-A190-75584A9737CD}"/>
+              </a:ext>
+            </a:extLst>
+          </p:cNvPr>
+          <p:cNvSpPr>
+            <a:spLocks noGrp="1"/>
+          </p:cNvSpPr>
+          <p:nvPr>
+            <p:ph type="ctrTitle"/>
+          </p:nvPr>
+        </p:nvSpPr>
+        <p:spPr>
+          <a:xfrm>
+            <a:off x="937145" y="426329"/>
+            <a:ext cx="4572000" cy="1074926"/>
+          </a:xfrm>
+        </p:spPr>
+        <p:txBody>
+          <a:bodyPr>
+            <a:normAutofit/>
+          </a:bodyPr>
+          <a:lstStyle/>
+          <a:p>
+            <a:r>
+              <a:rPr lang="en-US" altLang="zh-TW" sz="4800" dirty="0">
+                <a:latin typeface="微軟正黑體" panose="020B0604030504040204" pitchFamily="34" charset="-120"/>
+                <a:ea typeface="微軟正黑體" panose="020B0604030504040204" pitchFamily="34" charset="-120"/>
+              </a:rPr>
+              <a:t>1.</a:t>
+            </a:r>
+            <a:r>
+              <a:rPr lang="zh-TW" altLang="en-US" sz="4800" dirty="0">
+                <a:latin typeface="微軟正黑體" panose="020B0604030504040204" pitchFamily="34" charset="-120"/>
+                <a:ea typeface="微軟正黑體" panose="020B0604030504040204" pitchFamily="34" charset="-120"/>
+              </a:rPr>
+              <a:t>目標 </a:t>
+            </a:r>
+          </a:p>
+        </p:txBody>
+      </p:sp>
+      <p:pic>
+        <p:nvPicPr>
+          <p:cNvPr id="18" name="圖片5">
+            <a:extLst>
+              <a:ext uri="{FF2B5EF4-FFF2-40B4-BE49-F238E27FC236}">
+                <a16:creationId xmlns:a16="http://schemas.microsoft.com/office/drawing/2014/main" id="{E8753F35-76ED-45EF-829F-E37705861769}"/>
+              </a:ext>
+            </a:extLst>
+          </p:cNvPr>
+          <p:cNvPicPr>
+            <a:picLocks noChangeAspect="1"/>
+          </p:cNvPicPr>
+          <p:nvPr/>
+        </p:nvPicPr>
+        <p:blipFill>
+          <a:blip r:embed="rId3">
+            <a:extLst>
+              <a:ext uri="{28A0092B-C50C-407E-A947-70E740481C1C}">
+                <a14:useLocalDpi xmlns:a14="http://schemas.microsoft.com/office/drawing/2010/main" val="0"/>
+              </a:ext>
+            </a:extLst>
+          </a:blip>
+          <a:stretch>
+            <a:fillRect/>
+          </a:stretch>
+        </p:blipFill>
+        <p:spPr>
+          <a:xfrm>
+            <a:off x="649356" y="1501255"/>
+            <a:ext cx="5108713" cy="5108713"/>
+          </a:xfrm>
+          <a:prstGeom prst="rect">
+            <a:avLst/>
+          </a:prstGeom>
+        </p:spPr>
+      </p:pic>
+    </p:spTree>
+    <p:extLst>
+      <p:ext uri="{BB962C8B-B14F-4D97-AF65-F5344CB8AC3E}">
+        <p14:creationId xmlns:p14="http://schemas.microsoft.com/office/powerpoint/2010/main" val="1292715409"/>
+      </p:ext>
+    </p:extLst>
+  </p:cSld>
+  <p:clrMapOvr>
+    <a:masterClrMapping/>
+  </p:clrMapOvr>
+  <mc:AlternateContent xmlns:mc="http://schemas.openxmlformats.org/markup-compatibility/2006">
+    <mc:Choice xmlns:p159="http://schemas.microsoft.com/office/powerpoint/2015/09/main" Requires="p159">
+      <p:transition xmlns:p14="http://schemas.microsoft.com/office/powerpoint/2010/main" spd="slow" p14:dur="2000">
+        <p159:morph option="byObject"/>
+      </p:transition>
+    </mc:Choice>
+    <mc:Fallback>
+      <p:transition spd="slow">
+        <p:fade/>
+      </p:transition>
+    </mc:Fallback>
+  </mc:AlternateContent>
+</p:sld>
+</file>
+
+<file path=ppt/slides/slide3.xml><?xml version="1.0" encoding="utf-8"?>
+<p:sld xmlns:a="http://schemas.openxmlformats.org/drawingml/2006/main" xmlns:r="http://schemas.openxmlformats.org/officeDocument/2006/relationships" xmlns:p="http://schemas.openxmlformats.org/presentationml/2006/main">
+  <p:cSld>
+    <p:bg>
+      <p:bgPr>
+        <a:solidFill>
+          <a:schemeClr val="bg2">
+            <a:lumMod val="90000"/>
+          </a:schemeClr>
+        </a:solidFill>
+        <a:effectLst/>
+      </p:bgPr>
+    </p:bg>
+    <p:spTree>
+      <p:nvGrpSpPr>
+        <p:cNvPr id="1" name=""/>
+        <p:cNvGrpSpPr/>
+        <p:nvPr/>
+      </p:nvGrpSpPr>
+      <p:grpSpPr>
+        <a:xfrm>
+          <a:off x="0" y="0"/>
+          <a:ext cx="0" cy="0"/>
+          <a:chOff x="0" y="0"/>
+          <a:chExt cx="0" cy="0"/>
+        </a:xfrm>
+      </p:grpSpPr>
+      <p:sp>
+        <p:nvSpPr>
+          <p:cNvPr id="2" name="標題 1">
+            <a:extLst>
+              <a:ext uri="{FF2B5EF4-FFF2-40B4-BE49-F238E27FC236}">
+                <a16:creationId xmlns:a16="http://schemas.microsoft.com/office/drawing/2014/main" id="{997D7B2E-8ED5-465F-A190-75584A9737CD}"/>
+              </a:ext>
+            </a:extLst>
+          </p:cNvPr>
+          <p:cNvSpPr>
+            <a:spLocks noGrp="1"/>
+          </p:cNvSpPr>
+          <p:nvPr>
+            <p:ph type="ctrTitle"/>
+          </p:nvPr>
+        </p:nvSpPr>
+        <p:spPr>
+          <a:xfrm>
+            <a:off x="937145" y="426329"/>
+            <a:ext cx="4572000" cy="1074926"/>
+          </a:xfrm>
+        </p:spPr>
+        <p:txBody>
+          <a:bodyPr>
+            <a:normAutofit/>
+          </a:bodyPr>
+          <a:lstStyle/>
+          <a:p>
+            <a:r>
+              <a:rPr lang="en-US" altLang="zh-TW" sz="4800" dirty="0">
+                <a:latin typeface="微軟正黑體" panose="020B0604030504040204" pitchFamily="34" charset="-120"/>
+                <a:ea typeface="微軟正黑體" panose="020B0604030504040204" pitchFamily="34" charset="-120"/>
+              </a:rPr>
+              <a:t>2.</a:t>
+            </a:r>
+            <a:r>
+              <a:rPr lang="zh-TW" altLang="en-US" sz="4800" dirty="0">
+                <a:latin typeface="微軟正黑體" panose="020B0604030504040204" pitchFamily="34" charset="-120"/>
+                <a:ea typeface="微軟正黑體" panose="020B0604030504040204" pitchFamily="34" charset="-120"/>
+              </a:rPr>
+              <a:t>阻礙 </a:t>
+            </a:r>
+          </a:p>
+        </p:txBody>
+      </p:sp>
+      <p:pic>
+        <p:nvPicPr>
+          <p:cNvPr id="6" name="圖片5">
+            <a:extLst>
+              <a:ext uri="{FF2B5EF4-FFF2-40B4-BE49-F238E27FC236}">
+                <a16:creationId xmlns:a16="http://schemas.microsoft.com/office/drawing/2014/main" id="{20A50822-4283-4381-B14D-671C1DFFF12A}"/>
+              </a:ext>
+            </a:extLst>
+          </p:cNvPr>
+          <p:cNvPicPr>
+            <a:picLocks noChangeAspect="1"/>
+          </p:cNvPicPr>
+          <p:nvPr/>
+        </p:nvPicPr>
+        <p:blipFill>
+          <a:blip r:embed="rId3">
+            <a:extLst>
+              <a:ext uri="{28A0092B-C50C-407E-A947-70E740481C1C}">
+                <a14:useLocalDpi xmlns:a14="http://schemas.microsoft.com/office/drawing/2010/main" val="0"/>
+              </a:ext>
+            </a:extLst>
+          </a:blip>
+          <a:stretch>
+            <a:fillRect/>
+          </a:stretch>
+        </p:blipFill>
+        <p:spPr>
+          <a:xfrm>
+            <a:off x="808382" y="1501255"/>
+            <a:ext cx="4975299" cy="4975299"/>
+          </a:xfrm>
+          <a:prstGeom prst="rect">
+            <a:avLst/>
+          </a:prstGeom>
+        </p:spPr>
+      </p:pic>
+    </p:spTree>
+    <p:extLst>
+      <p:ext uri="{BB962C8B-B14F-4D97-AF65-F5344CB8AC3E}">
+        <p14:creationId xmlns:p14="http://schemas.microsoft.com/office/powerpoint/2010/main" val="1439656489"/>
+      </p:ext>
+    </p:extLst>
+  </p:cSld>
+  <p:clrMapOvr>
+    <a:masterClrMapping/>
+  </p:clrMapOvr>
+  <mc:AlternateContent xmlns:mc="http://schemas.openxmlformats.org/markup-compatibility/2006">
+    <mc:Choice xmlns:p159="http://schemas.microsoft.com/office/powerpoint/2015/09/main" Requires="p159">
+      <p:transition xmlns:p14="http://schemas.microsoft.com/office/powerpoint/2010/main" spd="slow" p14:dur="2000">
+        <p159:morph option="byObject"/>
+      </p:transition>
+    </mc:Choice>
+    <mc:Fallback>
+      <p:transition spd="slow">
+        <p:fade/>
+      </p:transition>
+    </mc:Fallback>
+  </mc:AlternateContent>
+</p:sld>
+</file>
+
+<file path=ppt/slides/slide4.xml><?xml version="1.0" encoding="utf-8"?>
+<p:sld xmlns:a="http://schemas.openxmlformats.org/drawingml/2006/main" xmlns:r="http://schemas.openxmlformats.org/officeDocument/2006/relationships" xmlns:p="http://schemas.openxmlformats.org/presentationml/2006/main">
+  <p:cSld>
+    <p:bg>
+      <p:bgPr>
+        <a:solidFill>
+          <a:schemeClr val="bg2">
+            <a:lumMod val="90000"/>
+          </a:schemeClr>
+        </a:solidFill>
+        <a:effectLst/>
+      </p:bgPr>
+    </p:bg>
+    <p:spTree>
+      <p:nvGrpSpPr>
+        <p:cNvPr id="1" name=""/>
+        <p:cNvGrpSpPr/>
+        <p:nvPr/>
+      </p:nvGrpSpPr>
+      <p:grpSpPr>
+        <a:xfrm>
+          <a:off x="0" y="0"/>
+          <a:ext cx="0" cy="0"/>
+          <a:chOff x="0" y="0"/>
+          <a:chExt cx="0" cy="0"/>
+        </a:xfrm>
+      </p:grpSpPr>
+      <p:sp>
+        <p:nvSpPr>
+          <p:cNvPr id="2" name="標題 1">
+            <a:extLst>
+              <a:ext uri="{FF2B5EF4-FFF2-40B4-BE49-F238E27FC236}">
+                <a16:creationId xmlns:a16="http://schemas.microsoft.com/office/drawing/2014/main" id="{997D7B2E-8ED5-465F-A190-75584A9737CD}"/>
+              </a:ext>
+            </a:extLst>
+          </p:cNvPr>
+          <p:cNvSpPr>
+            <a:spLocks noGrp="1"/>
+          </p:cNvSpPr>
+          <p:nvPr>
+            <p:ph type="ctrTitle"/>
+          </p:nvPr>
+        </p:nvSpPr>
+        <p:spPr>
+          <a:xfrm>
+            <a:off x="937145" y="426329"/>
+            <a:ext cx="4572000" cy="1074926"/>
+          </a:xfrm>
+        </p:spPr>
+        <p:txBody>
+          <a:bodyPr>
+            <a:normAutofit/>
+          </a:bodyPr>
+          <a:lstStyle/>
+          <a:p>
+            <a:r>
+              <a:rPr lang="en-US" altLang="zh-TW" sz="4800" dirty="0">
+                <a:latin typeface="微軟正黑體" panose="020B0604030504040204" pitchFamily="34" charset="-120"/>
+                <a:ea typeface="微軟正黑體" panose="020B0604030504040204" pitchFamily="34" charset="-120"/>
+              </a:rPr>
+              <a:t>3.</a:t>
+            </a:r>
+            <a:r>
+              <a:rPr lang="zh-TW" altLang="en-US" sz="4800" dirty="0">
+                <a:latin typeface="微軟正黑體" panose="020B0604030504040204" pitchFamily="34" charset="-120"/>
+                <a:ea typeface="微軟正黑體" panose="020B0604030504040204" pitchFamily="34" charset="-120"/>
+              </a:rPr>
+              <a:t>努力 </a:t>
+            </a:r>
+          </a:p>
+        </p:txBody>
+      </p:sp>
+      <p:pic>
+        <p:nvPicPr>
+          <p:cNvPr id="8" name="圖片5">
+            <a:extLst>
+              <a:ext uri="{FF2B5EF4-FFF2-40B4-BE49-F238E27FC236}">
+                <a16:creationId xmlns:a16="http://schemas.microsoft.com/office/drawing/2014/main" id="{40044D35-2411-4765-9AAA-25B496D0BD9F}"/>
+              </a:ext>
+            </a:extLst>
+          </p:cNvPr>
+          <p:cNvPicPr>
+            <a:picLocks noChangeAspect="1"/>
+          </p:cNvPicPr>
+          <p:nvPr/>
+        </p:nvPicPr>
+        <p:blipFill>
+          <a:blip r:embed="rId3">
+            <a:extLst>
+              <a:ext uri="{28A0092B-C50C-407E-A947-70E740481C1C}">
+                <a14:useLocalDpi xmlns:a14="http://schemas.microsoft.com/office/drawing/2010/main" val="0"/>
+              </a:ext>
+            </a:extLst>
+          </a:blip>
+          <a:stretch>
+            <a:fillRect/>
+          </a:stretch>
+        </p:blipFill>
+        <p:spPr>
+          <a:xfrm>
+            <a:off x="817875" y="1501255"/>
+            <a:ext cx="5025440" cy="5025440"/>
+          </a:xfrm>
+          <a:prstGeom prst="rect">
+            <a:avLst/>
+          </a:prstGeom>
+        </p:spPr>
+      </p:pic>
+    </p:spTree>
+    <p:extLst>
+      <p:ext uri="{BB962C8B-B14F-4D97-AF65-F5344CB8AC3E}">
+        <p14:creationId xmlns:p14="http://schemas.microsoft.com/office/powerpoint/2010/main" val="671140172"/>
+      </p:ext>
+    </p:extLst>
+  </p:cSld>
+  <p:clrMapOvr>
+    <a:masterClrMapping/>
+  </p:clrMapOvr>
+  <mc:AlternateContent xmlns:mc="http://schemas.openxmlformats.org/markup-compatibility/2006">
+    <mc:Choice xmlns:p159="http://schemas.microsoft.com/office/powerpoint/2015/09/main" Requires="p159">
+      <p:transition xmlns:p14="http://schemas.microsoft.com/office/powerpoint/2010/main" spd="slow" p14:dur="2000">
+        <p159:morph option="byObject"/>
+      </p:transition>
+    </mc:Choice>
+    <mc:Fallback>
+      <p:transition spd="slow">
+        <p:fade/>
+      </p:transition>
+    </mc:Fallback>
+  </mc:AlternateContent>
+</p:sld>
+</file>
+
+<file path=ppt/slides/slide5.xml><?xml version="1.0" encoding="utf-8"?>
+<p:sld xmlns:a="http://schemas.openxmlformats.org/drawingml/2006/main" xmlns:r="http://schemas.openxmlformats.org/officeDocument/2006/relationships" xmlns:p="http://schemas.openxmlformats.org/presentationml/2006/main">
+  <p:cSld>
+    <p:bg>
+      <p:bgPr>
+        <a:solidFill>
+          <a:schemeClr val="bg2">
+            <a:lumMod val="90000"/>
+          </a:schemeClr>
+        </a:solidFill>
+        <a:effectLst/>
+      </p:bgPr>
+    </p:bg>
+    <p:spTree>
+      <p:nvGrpSpPr>
+        <p:cNvPr id="1" name=""/>
+        <p:cNvGrpSpPr/>
+        <p:nvPr/>
+      </p:nvGrpSpPr>
+      <p:grpSpPr>
+        <a:xfrm>
+          <a:off x="0" y="0"/>
+          <a:ext cx="0" cy="0"/>
+          <a:chOff x="0" y="0"/>
+          <a:chExt cx="0" cy="0"/>
+        </a:xfrm>
+      </p:grpSpPr>
+      <p:sp>
+        <p:nvSpPr>
+          <p:cNvPr id="2" name="標題 1">
+            <a:extLst>
+              <a:ext uri="{FF2B5EF4-FFF2-40B4-BE49-F238E27FC236}">
+                <a16:creationId xmlns:a16="http://schemas.microsoft.com/office/drawing/2014/main" id="{997D7B2E-8ED5-465F-A190-75584A9737CD}"/>
+              </a:ext>
+            </a:extLst>
+          </p:cNvPr>
+          <p:cNvSpPr>
+            <a:spLocks noGrp="1"/>
+          </p:cNvSpPr>
+          <p:nvPr>
+            <p:ph type="ctrTitle"/>
+          </p:nvPr>
+        </p:nvSpPr>
+        <p:spPr>
+          <a:xfrm>
+            <a:off x="937145" y="426329"/>
+            <a:ext cx="4572000" cy="1074926"/>
+          </a:xfrm>
+        </p:spPr>
+        <p:txBody>
+          <a:bodyPr>
+            <a:normAutofit/>
+          </a:bodyPr>
+          <a:lstStyle/>
+          <a:p>
+            <a:r>
+              <a:rPr lang="en-US" altLang="zh-TW" sz="4800" dirty="0">
+                <a:latin typeface="微軟正黑體" panose="020B0604030504040204" pitchFamily="34" charset="-120"/>
+                <a:ea typeface="微軟正黑體" panose="020B0604030504040204" pitchFamily="34" charset="-120"/>
+              </a:rPr>
+              <a:t>4.</a:t>
+            </a:r>
+            <a:r>
+              <a:rPr lang="zh-TW" altLang="en-US" sz="4800" dirty="0">
+                <a:latin typeface="微軟正黑體" panose="020B0604030504040204" pitchFamily="34" charset="-120"/>
+                <a:ea typeface="微軟正黑體" panose="020B0604030504040204" pitchFamily="34" charset="-120"/>
+              </a:rPr>
+              <a:t>結果</a:t>
+            </a:r>
+          </a:p>
+        </p:txBody>
+      </p:sp>
+      <p:pic>
+        <p:nvPicPr>
+          <p:cNvPr id="8" name="圖片5">
+            <a:extLst>
+              <a:ext uri="{FF2B5EF4-FFF2-40B4-BE49-F238E27FC236}">
+                <a16:creationId xmlns:a16="http://schemas.microsoft.com/office/drawing/2014/main" id="{40044D35-2411-4765-9AAA-25B496D0BD9F}"/>
+              </a:ext>
+            </a:extLst>
+          </p:cNvPr>
+          <p:cNvPicPr>
+            <a:picLocks noChangeAspect="1"/>
+          </p:cNvPicPr>
+          <p:nvPr/>
+        </p:nvPicPr>
+        <p:blipFill>
+          <a:blip r:embed="rId3">
+            <a:extLst>
+              <a:ext uri="{28A0092B-C50C-407E-A947-70E740481C1C}">
+                <a14:useLocalDpi xmlns:a14="http://schemas.microsoft.com/office/drawing/2010/main" val="0"/>
+              </a:ext>
+            </a:extLst>
+          </a:blip>
+          <a:stretch>
+            <a:fillRect/>
+          </a:stretch>
+        </p:blipFill>
+        <p:spPr>
+          <a:xfrm>
+            <a:off x="839140" y="1501255"/>
+            <a:ext cx="1986593" cy="1986593"/>
+          </a:xfrm>
+          <a:prstGeom prst="rect">
+            <a:avLst/>
+          </a:prstGeom>
+        </p:spPr>
+      </p:pic>
+      <p:pic>
+        <p:nvPicPr>
+          <p:cNvPr id="4" name="圖片5">
+            <a:extLst>
+              <a:ext uri="{FF2B5EF4-FFF2-40B4-BE49-F238E27FC236}">
+                <a16:creationId xmlns:a16="http://schemas.microsoft.com/office/drawing/2014/main" id="{A33D7CC0-30A3-450F-99E9-A71CBC865ADE}"/>
+              </a:ext>
+            </a:extLst>
+          </p:cNvPr>
+          <p:cNvPicPr>
+            <a:picLocks noChangeAspect="1"/>
+          </p:cNvPicPr>
+          <p:nvPr/>
+        </p:nvPicPr>
+        <p:blipFill>
+          <a:blip r:embed="rId4">
+            <a:extLst>
+              <a:ext uri="{28A0092B-C50C-407E-A947-70E740481C1C}">
+                <a14:useLocalDpi xmlns:a14="http://schemas.microsoft.com/office/drawing/2010/main" val="0"/>
+              </a:ext>
+            </a:extLst>
+          </a:blip>
+          <a:stretch>
+            <a:fillRect/>
+          </a:stretch>
+        </p:blipFill>
+        <p:spPr>
+          <a:xfrm>
+            <a:off x="1670374" y="2373337"/>
+            <a:ext cx="3847159" cy="3847159"/>
+          </a:xfrm>
+          <a:prstGeom prst="rect">
+            <a:avLst/>
+          </a:prstGeom>
+        </p:spPr>
+      </p:pic>
+    </p:spTree>
+    <p:extLst>
+      <p:ext uri="{BB962C8B-B14F-4D97-AF65-F5344CB8AC3E}">
+        <p14:creationId xmlns:p14="http://schemas.microsoft.com/office/powerpoint/2010/main" val="2641815285"/>
+      </p:ext>
+    </p:extLst>
+  </p:cSld>
+  <p:clrMapOvr>
+    <a:masterClrMapping/>
+  </p:clrMapOvr>
+  <mc:AlternateContent xmlns:mc="http://schemas.openxmlformats.org/markup-compatibility/2006">
+    <mc:Choice xmlns:p159="http://schemas.microsoft.com/office/powerpoint/2015/09/main" Requires="p159">
+      <p:transition xmlns:p14="http://schemas.microsoft.com/office/powerpoint/2010/main" spd="slow" p14:dur="2000">
+        <p159:morph option="byObject"/>
+      </p:transition>
+    </mc:Choice>
+    <mc:Fallback>
+      <p:transition spd="slow">
+        <p:fade/>
+      </p:transition>
+    </mc:Fallback>
+  </mc:AlternateContent>
+</p:sld>
+</file>
+
+<file path=ppt/slides/slide6.xml><?xml version="1.0" encoding="utf-8"?>
+<p:sld xmlns:a="http://schemas.openxmlformats.org/drawingml/2006/main" xmlns:r="http://schemas.openxmlformats.org/officeDocument/2006/relationships" xmlns:p="http://schemas.openxmlformats.org/presentationml/2006/main">
+  <p:cSld>
+    <p:bg>
+      <p:bgPr>
+        <a:solidFill>
+          <a:schemeClr val="bg2">
+            <a:lumMod val="90000"/>
+          </a:schemeClr>
+        </a:solidFill>
+        <a:effectLst/>
+      </p:bgPr>
+    </p:bg>
+    <p:spTree>
+      <p:nvGrpSpPr>
+        <p:cNvPr id="1" name=""/>
+        <p:cNvGrpSpPr/>
+        <p:nvPr/>
+      </p:nvGrpSpPr>
+      <p:grpSpPr>
+        <a:xfrm>
+          <a:off x="0" y="0"/>
+          <a:ext cx="0" cy="0"/>
+          <a:chOff x="0" y="0"/>
+          <a:chExt cx="0" cy="0"/>
+        </a:xfrm>
+      </p:grpSpPr>
+      <p:sp>
+        <p:nvSpPr>
+          <p:cNvPr id="2" name="標題 1">
+            <a:extLst>
+              <a:ext uri="{FF2B5EF4-FFF2-40B4-BE49-F238E27FC236}">
+                <a16:creationId xmlns:a16="http://schemas.microsoft.com/office/drawing/2014/main" id="{997D7B2E-8ED5-465F-A190-75584A9737CD}"/>
+              </a:ext>
+            </a:extLst>
+          </p:cNvPr>
+          <p:cNvSpPr>
+            <a:spLocks noGrp="1"/>
+          </p:cNvSpPr>
+          <p:nvPr>
+            <p:ph type="ctrTitle"/>
+          </p:nvPr>
+        </p:nvSpPr>
+        <p:spPr>
+          <a:xfrm>
+            <a:off x="1040176" y="0"/>
+            <a:ext cx="4572000" cy="1074926"/>
+          </a:xfrm>
+        </p:spPr>
+        <p:txBody>
+          <a:bodyPr>
+            <a:normAutofit/>
+          </a:bodyPr>
+          <a:lstStyle/>
+          <a:p>
+            <a:r>
+              <a:rPr lang="en-US" altLang="zh-TW" sz="4800" dirty="0">
+                <a:latin typeface="微軟正黑體" panose="020B0604030504040204" pitchFamily="34" charset="-120"/>
+                <a:ea typeface="微軟正黑體" panose="020B0604030504040204" pitchFamily="34" charset="-120"/>
+              </a:rPr>
+              <a:t>5.</a:t>
+            </a:r>
+            <a:r>
+              <a:rPr lang="zh-TW" altLang="en-US" sz="4800" dirty="0">
+                <a:latin typeface="微軟正黑體" panose="020B0604030504040204" pitchFamily="34" charset="-120"/>
+                <a:ea typeface="微軟正黑體" panose="020B0604030504040204" pitchFamily="34" charset="-120"/>
+              </a:rPr>
+              <a:t> 意外</a:t>
+            </a:r>
+          </a:p>
+        </p:txBody>
+      </p:sp>
+      <p:pic>
+        <p:nvPicPr>
+          <p:cNvPr id="6" name="圖片5">
+            <a:extLst>
+              <a:ext uri="{FF2B5EF4-FFF2-40B4-BE49-F238E27FC236}">
+                <a16:creationId xmlns:a16="http://schemas.microsoft.com/office/drawing/2014/main" id="{E9C07E62-B11A-486E-8C8F-7ED9CA0F7466}"/>
+              </a:ext>
+            </a:extLst>
+          </p:cNvPr>
+          <p:cNvPicPr>
+            <a:picLocks noChangeAspect="1"/>
+          </p:cNvPicPr>
+          <p:nvPr/>
+        </p:nvPicPr>
+        <p:blipFill>
+          <a:blip r:embed="rId3">
+            <a:extLst>
+              <a:ext uri="{28A0092B-C50C-407E-A947-70E740481C1C}">
+                <a14:useLocalDpi xmlns:a14="http://schemas.microsoft.com/office/drawing/2010/main" val="0"/>
+              </a:ext>
+            </a:extLst>
+          </a:blip>
+          <a:stretch>
+            <a:fillRect/>
+          </a:stretch>
+        </p:blipFill>
+        <p:spPr>
+          <a:xfrm>
+            <a:off x="533193" y="1074926"/>
+            <a:ext cx="5562807" cy="5562807"/>
+          </a:xfrm>
+          <a:prstGeom prst="rect">
+            <a:avLst/>
+          </a:prstGeom>
+        </p:spPr>
+      </p:pic>
+    </p:spTree>
+    <p:extLst>
+      <p:ext uri="{BB962C8B-B14F-4D97-AF65-F5344CB8AC3E}">
+        <p14:creationId xmlns:p14="http://schemas.microsoft.com/office/powerpoint/2010/main" val="4065858070"/>
+      </p:ext>
+    </p:extLst>
+  </p:cSld>
+  <p:clrMapOvr>
+    <a:masterClrMapping/>
+  </p:clrMapOvr>
+  <mc:AlternateContent xmlns:mc="http://schemas.openxmlformats.org/markup-compatibility/2006">
+    <mc:Choice xmlns:p159="http://schemas.microsoft.com/office/powerpoint/2015/09/main" Requires="p159">
+      <p:transition xmlns:p14="http://schemas.microsoft.com/office/powerpoint/2010/main" spd="slow" p14:dur="2000">
+        <p159:morph option="byObject"/>
+      </p:transition>
+    </mc:Choice>
+    <mc:Fallback>
+      <p:transition spd="slow">
+        <p:fade/>
+      </p:transition>
+    </mc:Fallback>
+  </mc:AlternateContent>
+</p:sld>
+</file>
+
+<file path=ppt/slides/slide7.xml><?xml version="1.0" encoding="utf-8"?>
+<p:sld xmlns:a="http://schemas.openxmlformats.org/drawingml/2006/main" xmlns:r="http://schemas.openxmlformats.org/officeDocument/2006/relationships" xmlns:p="http://schemas.openxmlformats.org/presentationml/2006/main">
+  <p:cSld>
+    <p:bg>
+      <p:bgPr>
+        <a:solidFill>
+          <a:schemeClr val="bg2">
+            <a:lumMod val="90000"/>
+          </a:schemeClr>
+        </a:solidFill>
+        <a:effectLst/>
+      </p:bgPr>
+    </p:bg>
+    <p:spTree>
+      <p:nvGrpSpPr>
+        <p:cNvPr id="1" name=""/>
+        <p:cNvGrpSpPr/>
+        <p:nvPr/>
+      </p:nvGrpSpPr>
+      <p:grpSpPr>
+        <a:xfrm>
+          <a:off x="0" y="0"/>
+          <a:ext cx="0" cy="0"/>
+          <a:chOff x="0" y="0"/>
+          <a:chExt cx="0" cy="0"/>
+        </a:xfrm>
+      </p:grpSpPr>
+      <p:sp>
+        <p:nvSpPr>
+          <p:cNvPr id="2" name="標題 1">
+            <a:extLst>
+              <a:ext uri="{FF2B5EF4-FFF2-40B4-BE49-F238E27FC236}">
+                <a16:creationId xmlns:a16="http://schemas.microsoft.com/office/drawing/2014/main" id="{997D7B2E-8ED5-465F-A190-75584A9737CD}"/>
+              </a:ext>
+            </a:extLst>
+          </p:cNvPr>
+          <p:cNvSpPr>
+            <a:spLocks noGrp="1"/>
+          </p:cNvSpPr>
+          <p:nvPr>
+            <p:ph type="ctrTitle"/>
+          </p:nvPr>
+        </p:nvSpPr>
+        <p:spPr>
+          <a:xfrm>
+            <a:off x="1040176" y="0"/>
+            <a:ext cx="4572000" cy="1074926"/>
+          </a:xfrm>
+        </p:spPr>
+        <p:txBody>
+          <a:bodyPr>
+            <a:normAutofit/>
+          </a:bodyPr>
+          <a:lstStyle/>
+          <a:p>
+            <a:r>
+              <a:rPr lang="en-US" altLang="zh-TW" sz="4800" dirty="0">
+                <a:latin typeface="微軟正黑體" panose="020B0604030504040204" pitchFamily="34" charset="-120"/>
+                <a:ea typeface="微軟正黑體" panose="020B0604030504040204" pitchFamily="34" charset="-120"/>
+              </a:rPr>
+              <a:t>6.</a:t>
+            </a:r>
+            <a:r>
+              <a:rPr lang="zh-TW" altLang="en-US" sz="4800" dirty="0">
+                <a:latin typeface="微軟正黑體" panose="020B0604030504040204" pitchFamily="34" charset="-120"/>
+                <a:ea typeface="微軟正黑體" panose="020B0604030504040204" pitchFamily="34" charset="-120"/>
+              </a:rPr>
+              <a:t> 轉彎</a:t>
+            </a:r>
+          </a:p>
+        </p:txBody>
+      </p:sp>
+      <p:pic>
+        <p:nvPicPr>
+          <p:cNvPr id="6" name="圖片5">
+            <a:extLst>
+              <a:ext uri="{FF2B5EF4-FFF2-40B4-BE49-F238E27FC236}">
+                <a16:creationId xmlns:a16="http://schemas.microsoft.com/office/drawing/2014/main" id="{E9C07E62-B11A-486E-8C8F-7ED9CA0F7466}"/>
+              </a:ext>
+            </a:extLst>
+          </p:cNvPr>
+          <p:cNvPicPr>
+            <a:picLocks noChangeAspect="1"/>
+          </p:cNvPicPr>
+          <p:nvPr/>
+        </p:nvPicPr>
+        <p:blipFill>
+          <a:blip r:embed="rId3">
+            <a:extLst>
+              <a:ext uri="{28A0092B-C50C-407E-A947-70E740481C1C}">
+                <a14:useLocalDpi xmlns:a14="http://schemas.microsoft.com/office/drawing/2010/main" val="0"/>
+              </a:ext>
+            </a:extLst>
+          </a:blip>
+          <a:stretch>
+            <a:fillRect/>
+          </a:stretch>
+        </p:blipFill>
+        <p:spPr>
+          <a:xfrm>
+            <a:off x="533193" y="5048518"/>
+            <a:ext cx="1589215" cy="1589215"/>
+          </a:xfrm>
+          <a:prstGeom prst="rect">
+            <a:avLst/>
+          </a:prstGeom>
+        </p:spPr>
+      </p:pic>
+      <p:pic>
+        <p:nvPicPr>
+          <p:cNvPr id="4" name="圖片5">
+            <a:extLst>
+              <a:ext uri="{FF2B5EF4-FFF2-40B4-BE49-F238E27FC236}">
+                <a16:creationId xmlns:a16="http://schemas.microsoft.com/office/drawing/2014/main" id="{D2DCE582-E22B-44C0-9362-798A5C716772}"/>
+              </a:ext>
+            </a:extLst>
+          </p:cNvPr>
+          <p:cNvPicPr>
+            <a:picLocks noChangeAspect="1"/>
+          </p:cNvPicPr>
+          <p:nvPr/>
+        </p:nvPicPr>
+        <p:blipFill>
+          <a:blip r:embed="rId4">
+            <a:extLst>
+              <a:ext uri="{28A0092B-C50C-407E-A947-70E740481C1C}">
+                <a14:useLocalDpi xmlns:a14="http://schemas.microsoft.com/office/drawing/2010/main" val="0"/>
+              </a:ext>
+            </a:extLst>
+          </a:blip>
+          <a:stretch>
+            <a:fillRect/>
+          </a:stretch>
+        </p:blipFill>
+        <p:spPr>
+          <a:xfrm>
+            <a:off x="858385" y="1400118"/>
+            <a:ext cx="5237615" cy="5237615"/>
+          </a:xfrm>
+          <a:prstGeom prst="rect">
+            <a:avLst/>
+          </a:prstGeom>
+        </p:spPr>
+      </p:pic>
+    </p:spTree>
+    <p:extLst>
+      <p:ext uri="{BB962C8B-B14F-4D97-AF65-F5344CB8AC3E}">
+        <p14:creationId xmlns:p14="http://schemas.microsoft.com/office/powerpoint/2010/main" val="2203599249"/>
+      </p:ext>
+    </p:extLst>
+  </p:cSld>
+  <p:clrMapOvr>
+    <a:masterClrMapping/>
+  </p:clrMapOvr>
+  <mc:AlternateContent xmlns:mc="http://schemas.openxmlformats.org/markup-compatibility/2006">
+    <mc:Choice xmlns:p159="http://schemas.microsoft.com/office/powerpoint/2015/09/main" Requires="p159">
+      <p:transition xmlns:p14="http://schemas.microsoft.com/office/powerpoint/2010/main" spd="slow" p14:dur="2000">
+        <p159:morph option="byObject"/>
+      </p:transition>
+    </mc:Choice>
+    <mc:Fallback>
+      <p:transition spd="slow">
+        <p:fade/>
+      </p:transition>
+    </mc:Fallback>
+  </mc:AlternateContent>
+</p:sld>
+</file>
+
+<file path=ppt/slides/slide8.xml><?xml version="1.0" encoding="utf-8"?>
+<p:sld xmlns:a="http://schemas.openxmlformats.org/drawingml/2006/main" xmlns:r="http://schemas.openxmlformats.org/officeDocument/2006/relationships" xmlns:p="http://schemas.openxmlformats.org/presentationml/2006/main">
+  <p:cSld>
+    <p:bg>
+      <p:bgPr>
+        <a:solidFill>
+          <a:schemeClr val="bg2">
+            <a:lumMod val="90000"/>
+          </a:schemeClr>
+        </a:solidFill>
+        <a:effectLst/>
+      </p:bgPr>
+    </p:bg>
+    <p:spTree>
+      <p:nvGrpSpPr>
+        <p:cNvPr id="1" name=""/>
+        <p:cNvGrpSpPr/>
+        <p:nvPr/>
+      </p:nvGrpSpPr>
+      <p:grpSpPr>
+        <a:xfrm>
+          <a:off x="0" y="0"/>
+          <a:ext cx="0" cy="0"/>
+          <a:chOff x="0" y="0"/>
+          <a:chExt cx="0" cy="0"/>
+        </a:xfrm>
+      </p:grpSpPr>
+      <p:sp>
+        <p:nvSpPr>
+          <p:cNvPr id="2" name="標題 1">
+            <a:extLst>
+              <a:ext uri="{FF2B5EF4-FFF2-40B4-BE49-F238E27FC236}">
+                <a16:creationId xmlns:a16="http://schemas.microsoft.com/office/drawing/2014/main" id="{997D7B2E-8ED5-465F-A190-75584A9737CD}"/>
+              </a:ext>
+            </a:extLst>
+          </p:cNvPr>
+          <p:cNvSpPr>
+            <a:spLocks noGrp="1"/>
+          </p:cNvSpPr>
+          <p:nvPr>
+            <p:ph type="ctrTitle"/>
+          </p:nvPr>
+        </p:nvSpPr>
+        <p:spPr>
+          <a:xfrm>
+            <a:off x="937145" y="426329"/>
+            <a:ext cx="4572000" cy="1074926"/>
+          </a:xfrm>
+        </p:spPr>
+        <p:txBody>
+          <a:bodyPr>
+            <a:normAutofit/>
+          </a:bodyPr>
+          <a:lstStyle/>
+          <a:p>
+            <a:r>
+              <a:rPr lang="en-US" altLang="zh-TW" sz="4800" dirty="0">
+                <a:latin typeface="微軟正黑體" panose="020B0604030504040204" pitchFamily="34" charset="-120"/>
+                <a:ea typeface="微軟正黑體" panose="020B0604030504040204" pitchFamily="34" charset="-120"/>
+              </a:rPr>
+              <a:t>7.</a:t>
+            </a:r>
+            <a:r>
+              <a:rPr lang="zh-TW" altLang="en-US" sz="4800" dirty="0">
+                <a:latin typeface="微軟正黑體" panose="020B0604030504040204" pitchFamily="34" charset="-120"/>
+                <a:ea typeface="微軟正黑體" panose="020B0604030504040204" pitchFamily="34" charset="-120"/>
+              </a:rPr>
+              <a:t> 結局</a:t>
+            </a:r>
+          </a:p>
+        </p:txBody>
+      </p:sp>
+      <p:pic>
+        <p:nvPicPr>
+          <p:cNvPr id="6" name="圖片 5">
+            <a:extLst>
+              <a:ext uri="{FF2B5EF4-FFF2-40B4-BE49-F238E27FC236}">
+                <a16:creationId xmlns:a16="http://schemas.microsoft.com/office/drawing/2014/main" id="{28D38453-2BD2-4E04-BEB4-4B78165A1479}"/>
+              </a:ext>
+            </a:extLst>
+          </p:cNvPr>
+          <p:cNvPicPr>
+            <a:picLocks noChangeAspect="1"/>
+          </p:cNvPicPr>
+          <p:nvPr/>
+        </p:nvPicPr>
+        <p:blipFill>
+          <a:blip r:embed="rId3">
+            <a:extLst>
+              <a:ext uri="{28A0092B-C50C-407E-A947-70E740481C1C}">
+                <a14:useLocalDpi xmlns:a14="http://schemas.microsoft.com/office/drawing/2010/main" val="0"/>
+              </a:ext>
+            </a:extLst>
+          </a:blip>
+          <a:stretch>
+            <a:fillRect/>
+          </a:stretch>
+        </p:blipFill>
+        <p:spPr>
+          <a:xfrm>
+            <a:off x="1327597" y="1936377"/>
+            <a:ext cx="4323215" cy="4323215"/>
+          </a:xfrm>
+          <a:prstGeom prst="rect">
+            <a:avLst/>
+          </a:prstGeom>
+        </p:spPr>
+      </p:pic>
+    </p:spTree>
+    <p:extLst>
+      <p:ext uri="{BB962C8B-B14F-4D97-AF65-F5344CB8AC3E}">
+        <p14:creationId xmlns:p14="http://schemas.microsoft.com/office/powerpoint/2010/main" val="3443175637"/>
       </p:ext>
     </p:extLst>
   </p:cSld>
@@ -3677,4 +5878,299 @@
     </a:ext>
   </a:extLst>
 </a:theme>
+</file>
+
+<file path=ppt/theme/theme2.xml><?xml version="1.0" encoding="utf-8"?>
+<a:theme xmlns:a="http://schemas.openxmlformats.org/drawingml/2006/main" name="Office 佈景主題">
+  <a:themeElements>
+    <a:clrScheme name="Office">
+      <a:dk1>
+        <a:sysClr val="windowText" lastClr="000000"/>
+      </a:dk1>
+      <a:lt1>
+        <a:sysClr val="window" lastClr="FFFFFF"/>
+      </a:lt1>
+      <a:dk2>
+        <a:srgbClr val="44546A"/>
+      </a:dk2>
+      <a:lt2>
+        <a:srgbClr val="E7E6E6"/>
+      </a:lt2>
+      <a:accent1>
+        <a:srgbClr val="4472C4"/>
+      </a:accent1>
+      <a:accent2>
+        <a:srgbClr val="ED7D31"/>
+      </a:accent2>
+      <a:accent3>
+        <a:srgbClr val="A5A5A5"/>
+      </a:accent3>
+      <a:accent4>
+        <a:srgbClr val="FFC000"/>
+      </a:accent4>
+      <a:accent5>
+        <a:srgbClr val="5B9BD5"/>
+      </a:accent5>
+      <a:accent6>
+        <a:srgbClr val="70AD47"/>
+      </a:accent6>
+      <a:hlink>
+        <a:srgbClr val="0563C1"/>
+      </a:hlink>
+      <a:folHlink>
+        <a:srgbClr val="954F72"/>
+      </a:folHlink>
+    </a:clrScheme>
+    <a:fontScheme name="Office">
+      <a:majorFont>
+        <a:latin typeface="Calibri Light" panose="020F0302020204030204"/>
+        <a:ea typeface=""/>
+        <a:cs typeface=""/>
+        <a:font script="Jpan" typeface="游ゴシック Light"/>
+        <a:font script="Hang" typeface="맑은 고딕"/>
+        <a:font script="Hans" typeface="等线 Light"/>
+        <a:font script="Hant" typeface="新細明體"/>
+        <a:font script="Arab" typeface="Times New Roman"/>
+        <a:font script="Hebr" typeface="Times New Roman"/>
+        <a:font script="Thai" typeface="Angsana New"/>
+        <a:font script="Ethi" typeface="Nyala"/>
+        <a:font script="Beng" typeface="Vrinda"/>
+        <a:font script="Gujr" typeface="Shruti"/>
+        <a:font script="Khmr" typeface="MoolBoran"/>
+        <a:font script="Knda" typeface="Tunga"/>
+        <a:font script="Guru" typeface="Raavi"/>
+        <a:font script="Cans" typeface="Euphemia"/>
+        <a:font script="Cher" typeface="Plantagenet Cherokee"/>
+        <a:font script="Yiii" typeface="Microsoft Yi Baiti"/>
+        <a:font script="Tibt" typeface="Microsoft Himalaya"/>
+        <a:font script="Thaa" typeface="MV Boli"/>
+        <a:font script="Deva" typeface="Mangal"/>
+        <a:font script="Telu" typeface="Gautami"/>
+        <a:font script="Taml" typeface="Latha"/>
+        <a:font script="Syrc" typeface="Estrangelo Edessa"/>
+        <a:font script="Orya" typeface="Kalinga"/>
+        <a:font script="Mlym" typeface="Kartika"/>
+        <a:font script="Laoo" typeface="DokChampa"/>
+        <a:font script="Sinh" typeface="Iskoola Pota"/>
+        <a:font script="Mong" typeface="Mongolian Baiti"/>
+        <a:font script="Viet" typeface="Times New Roman"/>
+        <a:font script="Uigh" typeface="Microsoft Uighur"/>
+        <a:font script="Geor" typeface="Sylfaen"/>
+        <a:font script="Armn" typeface="Arial"/>
+        <a:font script="Bugi" typeface="Leelawadee UI"/>
+        <a:font script="Bopo" typeface="Microsoft JhengHei"/>
+        <a:font script="Java" typeface="Javanese Text"/>
+        <a:font script="Lisu" typeface="Segoe UI"/>
+        <a:font script="Mymr" typeface="Myanmar Text"/>
+        <a:font script="Nkoo" typeface="Ebrima"/>
+        <a:font script="Olck" typeface="Nirmala UI"/>
+        <a:font script="Osma" typeface="Ebrima"/>
+        <a:font script="Phag" typeface="Phagspa"/>
+        <a:font script="Syrn" typeface="Estrangelo Edessa"/>
+        <a:font script="Syrj" typeface="Estrangelo Edessa"/>
+        <a:font script="Syre" typeface="Estrangelo Edessa"/>
+        <a:font script="Sora" typeface="Nirmala UI"/>
+        <a:font script="Tale" typeface="Microsoft Tai Le"/>
+        <a:font script="Talu" typeface="Microsoft New Tai Lue"/>
+        <a:font script="Tfng" typeface="Ebrima"/>
+      </a:majorFont>
+      <a:minorFont>
+        <a:latin typeface="Calibri" panose="020F0502020204030204"/>
+        <a:ea typeface=""/>
+        <a:cs typeface=""/>
+        <a:font script="Jpan" typeface="游ゴシック"/>
+        <a:font script="Hang" typeface="맑은 고딕"/>
+        <a:font script="Hans" typeface="等线"/>
+        <a:font script="Hant" typeface="新細明體"/>
+        <a:font script="Arab" typeface="Arial"/>
+        <a:font script="Hebr" typeface="Arial"/>
+        <a:font script="Thai" typeface="Cordia New"/>
+        <a:font script="Ethi" typeface="Nyala"/>
+        <a:font script="Beng" typeface="Vrinda"/>
+        <a:font script="Gujr" typeface="Shruti"/>
+        <a:font script="Khmr" typeface="DaunPenh"/>
+        <a:font script="Knda" typeface="Tunga"/>
+        <a:font script="Guru" typeface="Raavi"/>
+        <a:font script="Cans" typeface="Euphemia"/>
+        <a:font script="Cher" typeface="Plantagenet Cherokee"/>
+        <a:font script="Yiii" typeface="Microsoft Yi Baiti"/>
+        <a:font script="Tibt" typeface="Microsoft Himalaya"/>
+        <a:font script="Thaa" typeface="MV Boli"/>
+        <a:font script="Deva" typeface="Mangal"/>
+        <a:font script="Telu" typeface="Gautami"/>
+        <a:font script="Taml" typeface="Latha"/>
+        <a:font script="Syrc" typeface="Estrangelo Edessa"/>
+        <a:font script="Orya" typeface="Kalinga"/>
+        <a:font script="Mlym" typeface="Kartika"/>
+        <a:font script="Laoo" typeface="DokChampa"/>
+        <a:font script="Sinh" typeface="Iskoola Pota"/>
+        <a:font script="Mong" typeface="Mongolian Baiti"/>
+        <a:font script="Viet" typeface="Arial"/>
+        <a:font script="Uigh" typeface="Microsoft Uighur"/>
+        <a:font script="Geor" typeface="Sylfaen"/>
+        <a:font script="Armn" typeface="Arial"/>
+        <a:font script="Bugi" typeface="Leelawadee UI"/>
+        <a:font script="Bopo" typeface="Microsoft JhengHei"/>
+        <a:font script="Java" typeface="Javanese Text"/>
+        <a:font script="Lisu" typeface="Segoe UI"/>
+        <a:font script="Mymr" typeface="Myanmar Text"/>
+        <a:font script="Nkoo" typeface="Ebrima"/>
+        <a:font script="Olck" typeface="Nirmala UI"/>
+        <a:font script="Osma" typeface="Ebrima"/>
+        <a:font script="Phag" typeface="Phagspa"/>
+        <a:font script="Syrn" typeface="Estrangelo Edessa"/>
+        <a:font script="Syrj" typeface="Estrangelo Edessa"/>
+        <a:font script="Syre" typeface="Estrangelo Edessa"/>
+        <a:font script="Sora" typeface="Nirmala UI"/>
+        <a:font script="Tale" typeface="Microsoft Tai Le"/>
+        <a:font script="Talu" typeface="Microsoft New Tai Lue"/>
+        <a:font script="Tfng" typeface="Ebrima"/>
+      </a:minorFont>
+    </a:fontScheme>
+    <a:fmtScheme name="Office">
+      <a:fillStyleLst>
+        <a:solidFill>
+          <a:schemeClr val="phClr"/>
+        </a:solidFill>
+        <a:gradFill rotWithShape="1">
+          <a:gsLst>
+            <a:gs pos="0">
+              <a:schemeClr val="phClr">
+                <a:lumMod val="110000"/>
+                <a:satMod val="105000"/>
+                <a:tint val="67000"/>
+              </a:schemeClr>
+            </a:gs>
+            <a:gs pos="50000">
+              <a:schemeClr val="phClr">
+                <a:lumMod val="105000"/>
+                <a:satMod val="103000"/>
+                <a:tint val="73000"/>
+              </a:schemeClr>
+            </a:gs>
+            <a:gs pos="100000">
+              <a:schemeClr val="phClr">
+                <a:lumMod val="105000"/>
+                <a:satMod val="109000"/>
+                <a:tint val="81000"/>
+              </a:schemeClr>
+            </a:gs>
+          </a:gsLst>
+          <a:lin ang="5400000" scaled="0"/>
+        </a:gradFill>
+        <a:gradFill rotWithShape="1">
+          <a:gsLst>
+            <a:gs pos="0">
+              <a:schemeClr val="phClr">
+                <a:satMod val="103000"/>
+                <a:lumMod val="102000"/>
+                <a:tint val="94000"/>
+              </a:schemeClr>
+            </a:gs>
+            <a:gs pos="50000">
+              <a:schemeClr val="phClr">
+                <a:satMod val="110000"/>
+                <a:lumMod val="100000"/>
+                <a:shade val="100000"/>
+              </a:schemeClr>
+            </a:gs>
+            <a:gs pos="100000">
+              <a:schemeClr val="phClr">
+                <a:lumMod val="99000"/>
+                <a:satMod val="120000"/>
+                <a:shade val="78000"/>
+              </a:schemeClr>
+            </a:gs>
+          </a:gsLst>
+          <a:lin ang="5400000" scaled="0"/>
+        </a:gradFill>
+      </a:fillStyleLst>
+      <a:lnStyleLst>
+        <a:ln w="6350" cap="flat" cmpd="sng" algn="ctr">
+          <a:solidFill>
+            <a:schemeClr val="phClr"/>
+          </a:solidFill>
+          <a:prstDash val="solid"/>
+          <a:miter lim="800000"/>
+        </a:ln>
+        <a:ln w="12700" cap="flat" cmpd="sng" algn="ctr">
+          <a:solidFill>
+            <a:schemeClr val="phClr"/>
+          </a:solidFill>
+          <a:prstDash val="solid"/>
+          <a:miter lim="800000"/>
+        </a:ln>
+        <a:ln w="19050" cap="flat" cmpd="sng" algn="ctr">
+          <a:solidFill>
+            <a:schemeClr val="phClr"/>
+          </a:solidFill>
+          <a:prstDash val="solid"/>
+          <a:miter lim="800000"/>
+        </a:ln>
+      </a:lnStyleLst>
+      <a:effectStyleLst>
+        <a:effectStyle>
+          <a:effectLst/>
+        </a:effectStyle>
+        <a:effectStyle>
+          <a:effectLst/>
+        </a:effectStyle>
+        <a:effectStyle>
+          <a:effectLst>
+            <a:outerShdw blurRad="57150" dist="19050" dir="5400000" algn="ctr" rotWithShape="0">
+              <a:srgbClr val="000000">
+                <a:alpha val="63000"/>
+              </a:srgbClr>
+            </a:outerShdw>
+          </a:effectLst>
+        </a:effectStyle>
+      </a:effectStyleLst>
+      <a:bgFillStyleLst>
+        <a:solidFill>
+          <a:schemeClr val="phClr"/>
+        </a:solidFill>
+        <a:solidFill>
+          <a:schemeClr val="phClr">
+            <a:tint val="95000"/>
+            <a:satMod val="170000"/>
+          </a:schemeClr>
+        </a:solidFill>
+        <a:gradFill rotWithShape="1">
+          <a:gsLst>
+            <a:gs pos="0">
+              <a:schemeClr val="phClr">
+                <a:tint val="93000"/>
+                <a:satMod val="150000"/>
+                <a:shade val="98000"/>
+                <a:lumMod val="102000"/>
+              </a:schemeClr>
+            </a:gs>
+            <a:gs pos="50000">
+              <a:schemeClr val="phClr">
+                <a:tint val="98000"/>
+                <a:satMod val="130000"/>
+                <a:shade val="90000"/>
+                <a:lumMod val="103000"/>
+              </a:schemeClr>
+            </a:gs>
+            <a:gs pos="100000">
+              <a:schemeClr val="phClr">
+                <a:shade val="63000"/>
+                <a:satMod val="120000"/>
+              </a:schemeClr>
+            </a:gs>
+          </a:gsLst>
+          <a:lin ang="5400000" scaled="0"/>
+        </a:gradFill>
+      </a:bgFillStyleLst>
+    </a:fmtScheme>
+  </a:themeElements>
+  <a:objectDefaults/>
+  <a:extraClrSchemeLst/>
+  <a:extLst>
+    <a:ext uri="{05A4C25C-085E-4340-85A3-A5531E510DB2}">
+      <thm15:themeFamily xmlns:thm15="http://schemas.microsoft.com/office/thememl/2012/main" name="Office Theme" id="{62F939B6-93AF-4DB8-9C6B-D6C7DFDC589F}" vid="{4A3C46E8-61CC-4603-A589-7422A47A8E4A}"/>
+    </a:ext>
+  </a:extLst>
+</a:theme>
 </file>